--- a/Entregaveis_Sprint1.pptx
+++ b/Entregaveis_Sprint1.pptx
@@ -5326,7 +5326,7 @@
                 </a:solidFill>
                 <a:latin typeface="Exo 2" panose="00000500000000000000" pitchFamily="50" charset="0"/>
               </a:rPr>
-              <a:t> Stories 1</a:t>
+              <a:t> Stories #1</a:t>
             </a:r>
             <a:br>
               <a:rPr lang="pt-BR" dirty="0"/>
@@ -5459,7 +5459,16 @@
                 </a:solidFill>
                 <a:latin typeface="Exo 2" panose="00000500000000000000" pitchFamily="50" charset="0"/>
               </a:rPr>
-              <a:t> Stories 2</a:t>
+              <a:t> </a:t>
+            </a:r>
+            <a:r>
+              <a:rPr lang="pt-BR" sz="3600" b="1">
+                <a:solidFill>
+                  <a:srgbClr val="00B0F0"/>
+                </a:solidFill>
+                <a:latin typeface="Exo 2" panose="00000500000000000000" pitchFamily="50" charset="0"/>
+              </a:rPr>
+              <a:t>Stories #2</a:t>
             </a:r>
             <a:br>
               <a:rPr lang="pt-BR" dirty="0"/>
@@ -5764,7 +5773,25 @@
                 </a:solidFill>
                 <a:latin typeface="Exo 2" panose="00000500000000000000" pitchFamily="50" charset="0"/>
               </a:rPr>
-              <a:t> Stories 3</a:t>
+              <a:t> Stories </a:t>
+            </a:r>
+            <a:r>
+              <a:rPr lang="pt-BR" sz="3600" b="1" dirty="0">
+                <a:solidFill>
+                  <a:srgbClr val="00B0F0"/>
+                </a:solidFill>
+                <a:latin typeface="Exo 2" panose="00000500000000000000" pitchFamily="50" charset="0"/>
+              </a:rPr>
+              <a:t>#</a:t>
+            </a:r>
+            <a:r>
+              <a:rPr lang="pt-BR" sz="3300" b="1" dirty="0">
+                <a:solidFill>
+                  <a:srgbClr val="00B0F0"/>
+                </a:solidFill>
+                <a:latin typeface="Exo 2" panose="00000500000000000000" pitchFamily="50" charset="0"/>
+              </a:rPr>
+              <a:t>3</a:t>
             </a:r>
             <a:br>
               <a:rPr lang="pt-BR" dirty="0"/>
@@ -5897,7 +5924,25 @@
                 </a:solidFill>
                 <a:latin typeface="Exo 2" panose="00000500000000000000" pitchFamily="50" charset="0"/>
               </a:rPr>
-              <a:t> Stories 4</a:t>
+              <a:t> Stories </a:t>
+            </a:r>
+            <a:r>
+              <a:rPr lang="pt-BR" sz="3600" b="1" dirty="0">
+                <a:solidFill>
+                  <a:srgbClr val="00B0F0"/>
+                </a:solidFill>
+                <a:latin typeface="Exo 2" panose="00000500000000000000" pitchFamily="50" charset="0"/>
+              </a:rPr>
+              <a:t>#</a:t>
+            </a:r>
+            <a:r>
+              <a:rPr lang="pt-BR" sz="3300" b="1" dirty="0">
+                <a:solidFill>
+                  <a:srgbClr val="00B0F0"/>
+                </a:solidFill>
+                <a:latin typeface="Exo 2" panose="00000500000000000000" pitchFamily="50" charset="0"/>
+              </a:rPr>
+              <a:t>4</a:t>
             </a:r>
             <a:br>
               <a:rPr lang="pt-BR" dirty="0"/>
@@ -6199,7 +6244,25 @@
                 </a:solidFill>
                 <a:latin typeface="Exo 2" panose="00000500000000000000" pitchFamily="50" charset="0"/>
               </a:rPr>
-              <a:t> Stories 5</a:t>
+              <a:t> Stories </a:t>
+            </a:r>
+            <a:r>
+              <a:rPr lang="pt-BR" sz="3600" b="1" dirty="0">
+                <a:solidFill>
+                  <a:srgbClr val="00B0F0"/>
+                </a:solidFill>
+                <a:latin typeface="Exo 2" panose="00000500000000000000" pitchFamily="50" charset="0"/>
+              </a:rPr>
+              <a:t>#</a:t>
+            </a:r>
+            <a:r>
+              <a:rPr lang="pt-BR" sz="3300" b="1" dirty="0">
+                <a:solidFill>
+                  <a:srgbClr val="00B0F0"/>
+                </a:solidFill>
+                <a:latin typeface="Exo 2" panose="00000500000000000000" pitchFamily="50" charset="0"/>
+              </a:rPr>
+              <a:t>5</a:t>
             </a:r>
             <a:br>
               <a:rPr lang="pt-BR" dirty="0"/>
@@ -6332,7 +6395,25 @@
                 </a:solidFill>
                 <a:latin typeface="Exo 2" panose="00000500000000000000" pitchFamily="50" charset="0"/>
               </a:rPr>
-              <a:t> Stories 6</a:t>
+              <a:t> Stories </a:t>
+            </a:r>
+            <a:r>
+              <a:rPr lang="pt-BR" sz="3600" b="1" dirty="0">
+                <a:solidFill>
+                  <a:srgbClr val="00B0F0"/>
+                </a:solidFill>
+                <a:latin typeface="Exo 2" panose="00000500000000000000" pitchFamily="50" charset="0"/>
+              </a:rPr>
+              <a:t>#</a:t>
+            </a:r>
+            <a:r>
+              <a:rPr lang="pt-BR" sz="3300" b="1" dirty="0">
+                <a:solidFill>
+                  <a:srgbClr val="00B0F0"/>
+                </a:solidFill>
+                <a:latin typeface="Exo 2" panose="00000500000000000000" pitchFamily="50" charset="0"/>
+              </a:rPr>
+              <a:t>6</a:t>
             </a:r>
             <a:br>
               <a:rPr lang="pt-BR" sz="3300" dirty="0"/>

--- a/Entregaveis_Sprint1.pptx
+++ b/Entregaveis_Sprint1.pptx
@@ -5,16 +5,17 @@
     <p:sldMasterId id="2147483648" r:id="rId1"/>
   </p:sldMasterIdLst>
   <p:sldIdLst>
-    <p:sldId id="265" r:id="rId2"/>
-    <p:sldId id="256" r:id="rId3"/>
-    <p:sldId id="262" r:id="rId4"/>
-    <p:sldId id="263" r:id="rId5"/>
-    <p:sldId id="260" r:id="rId6"/>
-    <p:sldId id="257" r:id="rId7"/>
-    <p:sldId id="258" r:id="rId8"/>
-    <p:sldId id="259" r:id="rId9"/>
-    <p:sldId id="264" r:id="rId10"/>
-    <p:sldId id="261" r:id="rId11"/>
+    <p:sldId id="266" r:id="rId2"/>
+    <p:sldId id="265" r:id="rId3"/>
+    <p:sldId id="256" r:id="rId4"/>
+    <p:sldId id="262" r:id="rId5"/>
+    <p:sldId id="263" r:id="rId6"/>
+    <p:sldId id="260" r:id="rId7"/>
+    <p:sldId id="257" r:id="rId8"/>
+    <p:sldId id="258" r:id="rId9"/>
+    <p:sldId id="259" r:id="rId10"/>
+    <p:sldId id="264" r:id="rId11"/>
+    <p:sldId id="261" r:id="rId12"/>
   </p:sldIdLst>
   <p:sldSz cx="12192000" cy="6858000"/>
   <p:notesSz cx="6858000" cy="9144000"/>
@@ -268,7 +269,7 @@
           <a:p>
             <a:fld id="{5769141A-6333-42BE-9110-89046F64AE2E}" type="datetimeFigureOut">
               <a:rPr lang="pt-BR" smtClean="0"/>
-              <a:t>10/09/2019</a:t>
+              <a:t>11/09/2019</a:t>
             </a:fld>
             <a:endParaRPr lang="pt-BR"/>
           </a:p>
@@ -466,7 +467,7 @@
           <a:p>
             <a:fld id="{5769141A-6333-42BE-9110-89046F64AE2E}" type="datetimeFigureOut">
               <a:rPr lang="pt-BR" smtClean="0"/>
-              <a:t>10/09/2019</a:t>
+              <a:t>11/09/2019</a:t>
             </a:fld>
             <a:endParaRPr lang="pt-BR"/>
           </a:p>
@@ -674,7 +675,7 @@
           <a:p>
             <a:fld id="{5769141A-6333-42BE-9110-89046F64AE2E}" type="datetimeFigureOut">
               <a:rPr lang="pt-BR" smtClean="0"/>
-              <a:t>10/09/2019</a:t>
+              <a:t>11/09/2019</a:t>
             </a:fld>
             <a:endParaRPr lang="pt-BR"/>
           </a:p>
@@ -872,7 +873,7 @@
           <a:p>
             <a:fld id="{5769141A-6333-42BE-9110-89046F64AE2E}" type="datetimeFigureOut">
               <a:rPr lang="pt-BR" smtClean="0"/>
-              <a:t>10/09/2019</a:t>
+              <a:t>11/09/2019</a:t>
             </a:fld>
             <a:endParaRPr lang="pt-BR"/>
           </a:p>
@@ -1147,7 +1148,7 @@
           <a:p>
             <a:fld id="{5769141A-6333-42BE-9110-89046F64AE2E}" type="datetimeFigureOut">
               <a:rPr lang="pt-BR" smtClean="0"/>
-              <a:t>10/09/2019</a:t>
+              <a:t>11/09/2019</a:t>
             </a:fld>
             <a:endParaRPr lang="pt-BR"/>
           </a:p>
@@ -1412,7 +1413,7 @@
           <a:p>
             <a:fld id="{5769141A-6333-42BE-9110-89046F64AE2E}" type="datetimeFigureOut">
               <a:rPr lang="pt-BR" smtClean="0"/>
-              <a:t>10/09/2019</a:t>
+              <a:t>11/09/2019</a:t>
             </a:fld>
             <a:endParaRPr lang="pt-BR"/>
           </a:p>
@@ -1824,7 +1825,7 @@
           <a:p>
             <a:fld id="{5769141A-6333-42BE-9110-89046F64AE2E}" type="datetimeFigureOut">
               <a:rPr lang="pt-BR" smtClean="0"/>
-              <a:t>10/09/2019</a:t>
+              <a:t>11/09/2019</a:t>
             </a:fld>
             <a:endParaRPr lang="pt-BR"/>
           </a:p>
@@ -1965,7 +1966,7 @@
           <a:p>
             <a:fld id="{5769141A-6333-42BE-9110-89046F64AE2E}" type="datetimeFigureOut">
               <a:rPr lang="pt-BR" smtClean="0"/>
-              <a:t>10/09/2019</a:t>
+              <a:t>11/09/2019</a:t>
             </a:fld>
             <a:endParaRPr lang="pt-BR"/>
           </a:p>
@@ -2078,7 +2079,7 @@
           <a:p>
             <a:fld id="{5769141A-6333-42BE-9110-89046F64AE2E}" type="datetimeFigureOut">
               <a:rPr lang="pt-BR" smtClean="0"/>
-              <a:t>10/09/2019</a:t>
+              <a:t>11/09/2019</a:t>
             </a:fld>
             <a:endParaRPr lang="pt-BR"/>
           </a:p>
@@ -2389,7 +2390,7 @@
           <a:p>
             <a:fld id="{5769141A-6333-42BE-9110-89046F64AE2E}" type="datetimeFigureOut">
               <a:rPr lang="pt-BR" smtClean="0"/>
-              <a:t>10/09/2019</a:t>
+              <a:t>11/09/2019</a:t>
             </a:fld>
             <a:endParaRPr lang="pt-BR"/>
           </a:p>
@@ -2677,7 +2678,7 @@
           <a:p>
             <a:fld id="{5769141A-6333-42BE-9110-89046F64AE2E}" type="datetimeFigureOut">
               <a:rPr lang="pt-BR" smtClean="0"/>
-              <a:t>10/09/2019</a:t>
+              <a:t>11/09/2019</a:t>
             </a:fld>
             <a:endParaRPr lang="pt-BR"/>
           </a:p>
@@ -2918,7 +2919,7 @@
           <a:p>
             <a:fld id="{5769141A-6333-42BE-9110-89046F64AE2E}" type="datetimeFigureOut">
               <a:rPr lang="pt-BR" smtClean="0"/>
-              <a:t>10/09/2019</a:t>
+              <a:t>11/09/2019</a:t>
             </a:fld>
             <a:endParaRPr lang="pt-BR"/>
           </a:p>
@@ -3335,322 +3336,155 @@
           <a:chExt cx="0" cy="0"/>
         </a:xfrm>
       </p:grpSpPr>
-      <p:pic>
-        <p:nvPicPr>
-          <p:cNvPr id="3074" name="Picture 2" descr="Resultado de imagem para planner microsoft icon">
-            <a:hlinkClick r:id="rId2"/>
-            <a:extLst>
-              <a:ext uri="{FF2B5EF4-FFF2-40B4-BE49-F238E27FC236}">
-                <a16:creationId xmlns:a16="http://schemas.microsoft.com/office/drawing/2014/main" id="{DCC76534-000A-48BA-837B-DC626F792F16}"/>
-              </a:ext>
-            </a:extLst>
-          </p:cNvPr>
-          <p:cNvPicPr>
-            <a:picLocks noChangeAspect="1" noChangeArrowheads="1"/>
-          </p:cNvPicPr>
-          <p:nvPr/>
-        </p:nvPicPr>
-        <p:blipFill>
-          <a:blip r:embed="rId3">
-            <a:extLst>
-              <a:ext uri="{28A0092B-C50C-407E-A947-70E740481C1C}">
-                <a14:useLocalDpi xmlns:a14="http://schemas.microsoft.com/office/drawing/2010/main" val="0"/>
-              </a:ext>
-            </a:extLst>
-          </a:blip>
-          <a:srcRect/>
-          <a:stretch>
-            <a:fillRect/>
-          </a:stretch>
-        </p:blipFill>
-        <p:spPr bwMode="auto">
-          <a:xfrm>
-            <a:off x="1602728" y="2486842"/>
-            <a:ext cx="2183251" cy="1695658"/>
-          </a:xfrm>
-          <a:prstGeom prst="rect">
-            <a:avLst/>
-          </a:prstGeom>
-          <a:noFill/>
-          <a:extLst>
-            <a:ext uri="{909E8E84-426E-40DD-AFC4-6F175D3DCCD1}">
-              <a14:hiddenFill xmlns:a14="http://schemas.microsoft.com/office/drawing/2010/main">
-                <a:solidFill>
-                  <a:srgbClr val="FFFFFF"/>
-                </a:solidFill>
-              </a14:hiddenFill>
-            </a:ext>
-          </a:extLst>
-        </p:spPr>
-      </p:pic>
-      <p:pic>
-        <p:nvPicPr>
-          <p:cNvPr id="3080" name="Picture 8" descr="Resultado de imagem para github icon">
-            <a:hlinkClick r:id="rId4"/>
-            <a:extLst>
-              <a:ext uri="{FF2B5EF4-FFF2-40B4-BE49-F238E27FC236}">
-                <a16:creationId xmlns:a16="http://schemas.microsoft.com/office/drawing/2014/main" id="{25C0851C-8033-40C9-A785-924357AF901C}"/>
-              </a:ext>
-            </a:extLst>
-          </p:cNvPr>
-          <p:cNvPicPr>
-            <a:picLocks noChangeAspect="1" noChangeArrowheads="1"/>
-          </p:cNvPicPr>
-          <p:nvPr/>
-        </p:nvPicPr>
-        <p:blipFill>
-          <a:blip r:embed="rId5">
-            <a:extLst>
-              <a:ext uri="{28A0092B-C50C-407E-A947-70E740481C1C}">
-                <a14:useLocalDpi xmlns:a14="http://schemas.microsoft.com/office/drawing/2010/main" val="0"/>
-              </a:ext>
-            </a:extLst>
-          </a:blip>
-          <a:srcRect/>
-          <a:stretch>
-            <a:fillRect/>
-          </a:stretch>
-        </p:blipFill>
-        <p:spPr bwMode="auto">
-          <a:xfrm>
-            <a:off x="5369615" y="2514599"/>
-            <a:ext cx="1452770" cy="1452770"/>
-          </a:xfrm>
-          <a:prstGeom prst="rect">
-            <a:avLst/>
-          </a:prstGeom>
-          <a:noFill/>
-          <a:extLst>
-            <a:ext uri="{909E8E84-426E-40DD-AFC4-6F175D3DCCD1}">
-              <a14:hiddenFill xmlns:a14="http://schemas.microsoft.com/office/drawing/2010/main">
-                <a:solidFill>
-                  <a:srgbClr val="FFFFFF"/>
-                </a:solidFill>
-              </a14:hiddenFill>
-            </a:ext>
-          </a:extLst>
-        </p:spPr>
-      </p:pic>
-      <p:pic>
-        <p:nvPicPr>
-          <p:cNvPr id="3082" name="Picture 10" descr="Resultado de imagem para github icon">
-            <a:extLst>
-              <a:ext uri="{FF2B5EF4-FFF2-40B4-BE49-F238E27FC236}">
-                <a16:creationId xmlns:a16="http://schemas.microsoft.com/office/drawing/2014/main" id="{E3969A3E-31E6-414C-8342-A42A23998F72}"/>
-              </a:ext>
-            </a:extLst>
-          </p:cNvPr>
-          <p:cNvPicPr>
-            <a:picLocks noChangeAspect="1" noChangeArrowheads="1"/>
-          </p:cNvPicPr>
-          <p:nvPr/>
-        </p:nvPicPr>
-        <p:blipFill>
-          <a:blip r:embed="rId6">
-            <a:extLst>
-              <a:ext uri="{28A0092B-C50C-407E-A947-70E740481C1C}">
-                <a14:useLocalDpi xmlns:a14="http://schemas.microsoft.com/office/drawing/2010/main" val="0"/>
-              </a:ext>
-            </a:extLst>
-          </a:blip>
-          <a:srcRect/>
-          <a:stretch>
-            <a:fillRect/>
-          </a:stretch>
-        </p:blipFill>
-        <p:spPr bwMode="auto">
-          <a:xfrm>
-            <a:off x="5176630" y="4159211"/>
-            <a:ext cx="2046706" cy="505967"/>
-          </a:xfrm>
-          <a:prstGeom prst="rect">
-            <a:avLst/>
-          </a:prstGeom>
-          <a:noFill/>
-          <a:extLst>
-            <a:ext uri="{909E8E84-426E-40DD-AFC4-6F175D3DCCD1}">
-              <a14:hiddenFill xmlns:a14="http://schemas.microsoft.com/office/drawing/2010/main">
-                <a:solidFill>
-                  <a:srgbClr val="FFFFFF"/>
-                </a:solidFill>
-              </a14:hiddenFill>
-            </a:ext>
-          </a:extLst>
-        </p:spPr>
-      </p:pic>
-      <p:pic>
-        <p:nvPicPr>
-          <p:cNvPr id="3084" name="Picture 12" descr="Imagem relacionada">
-            <a:extLst>
-              <a:ext uri="{FF2B5EF4-FFF2-40B4-BE49-F238E27FC236}">
-                <a16:creationId xmlns:a16="http://schemas.microsoft.com/office/drawing/2014/main" id="{19AD249B-1329-44A6-87D4-062F13BDE175}"/>
-              </a:ext>
-            </a:extLst>
-          </p:cNvPr>
-          <p:cNvPicPr>
-            <a:picLocks noChangeAspect="1" noChangeArrowheads="1"/>
-          </p:cNvPicPr>
-          <p:nvPr/>
-        </p:nvPicPr>
-        <p:blipFill rotWithShape="1">
-          <a:blip r:embed="rId7">
-            <a:extLst>
-              <a:ext uri="{28A0092B-C50C-407E-A947-70E740481C1C}">
-                <a14:useLocalDpi xmlns:a14="http://schemas.microsoft.com/office/drawing/2010/main" val="0"/>
-              </a:ext>
-            </a:extLst>
-          </a:blip>
-          <a:srcRect l="46209" t="41691" r="20256" b="33292"/>
-          <a:stretch/>
-        </p:blipFill>
-        <p:spPr bwMode="auto">
-          <a:xfrm>
-            <a:off x="1947240" y="4182500"/>
-            <a:ext cx="1838739" cy="692789"/>
-          </a:xfrm>
-          <a:prstGeom prst="rect">
-            <a:avLst/>
-          </a:prstGeom>
-          <a:noFill/>
-          <a:extLst>
-            <a:ext uri="{909E8E84-426E-40DD-AFC4-6F175D3DCCD1}">
-              <a14:hiddenFill xmlns:a14="http://schemas.microsoft.com/office/drawing/2010/main">
-                <a:solidFill>
-                  <a:srgbClr val="FFFFFF"/>
-                </a:solidFill>
-              </a14:hiddenFill>
-            </a:ext>
-          </a:extLst>
-        </p:spPr>
-      </p:pic>
-      <p:pic>
-        <p:nvPicPr>
-          <p:cNvPr id="8" name="Picture 2" descr="Resultado de imagem para azure png">
-            <a:hlinkClick r:id="rId8"/>
-            <a:extLst>
-              <a:ext uri="{FF2B5EF4-FFF2-40B4-BE49-F238E27FC236}">
-                <a16:creationId xmlns:a16="http://schemas.microsoft.com/office/drawing/2014/main" id="{2AC5B454-3B54-4C51-867D-BAE5F9853A8D}"/>
-              </a:ext>
-            </a:extLst>
-          </p:cNvPr>
-          <p:cNvPicPr>
-            <a:picLocks noChangeAspect="1" noChangeArrowheads="1"/>
-          </p:cNvPicPr>
-          <p:nvPr/>
-        </p:nvPicPr>
-        <p:blipFill rotWithShape="1">
-          <a:blip r:embed="rId9">
-            <a:extLst>
-              <a:ext uri="{28A0092B-C50C-407E-A947-70E740481C1C}">
-                <a14:useLocalDpi xmlns:a14="http://schemas.microsoft.com/office/drawing/2010/main" val="0"/>
-              </a:ext>
-            </a:extLst>
-          </a:blip>
-          <a:srcRect l="39239" t="22781"/>
-          <a:stretch/>
-        </p:blipFill>
-        <p:spPr bwMode="auto">
-          <a:xfrm>
-            <a:off x="8918490" y="4159211"/>
-            <a:ext cx="1627844" cy="598003"/>
-          </a:xfrm>
-          <a:prstGeom prst="rect">
-            <a:avLst/>
-          </a:prstGeom>
-          <a:noFill/>
-          <a:extLst>
-            <a:ext uri="{909E8E84-426E-40DD-AFC4-6F175D3DCCD1}">
-              <a14:hiddenFill xmlns:a14="http://schemas.microsoft.com/office/drawing/2010/main">
-                <a:solidFill>
-                  <a:srgbClr val="FFFFFF"/>
-                </a:solidFill>
-              </a14:hiddenFill>
-            </a:ext>
-          </a:extLst>
-        </p:spPr>
-      </p:pic>
-      <p:pic>
-        <p:nvPicPr>
-          <p:cNvPr id="28" name="Picture 2" descr="Resultado de imagem para azure png">
-            <a:hlinkClick r:id="rId8"/>
-            <a:extLst>
-              <a:ext uri="{FF2B5EF4-FFF2-40B4-BE49-F238E27FC236}">
-                <a16:creationId xmlns:a16="http://schemas.microsoft.com/office/drawing/2014/main" id="{31DC45F7-35E2-472A-B458-D828E04F1987}"/>
-              </a:ext>
-            </a:extLst>
-          </p:cNvPr>
-          <p:cNvPicPr>
-            <a:picLocks noChangeAspect="1" noChangeArrowheads="1"/>
-          </p:cNvPicPr>
-          <p:nvPr/>
-        </p:nvPicPr>
-        <p:blipFill rotWithShape="1">
-          <a:blip r:embed="rId9">
-            <a:extLst>
-              <a:ext uri="{28A0092B-C50C-407E-A947-70E740481C1C}">
-                <a14:useLocalDpi xmlns:a14="http://schemas.microsoft.com/office/drawing/2010/main" val="0"/>
-              </a:ext>
-            </a:extLst>
-          </a:blip>
-          <a:srcRect r="60761"/>
-          <a:stretch/>
-        </p:blipFill>
-        <p:spPr bwMode="auto">
-          <a:xfrm>
-            <a:off x="8961427" y="2698789"/>
-            <a:ext cx="1627845" cy="1199194"/>
-          </a:xfrm>
-          <a:prstGeom prst="rect">
-            <a:avLst/>
-          </a:prstGeom>
-          <a:noFill/>
-          <a:extLst>
-            <a:ext uri="{909E8E84-426E-40DD-AFC4-6F175D3DCCD1}">
-              <a14:hiddenFill xmlns:a14="http://schemas.microsoft.com/office/drawing/2010/main">
-                <a:solidFill>
-                  <a:srgbClr val="FFFFFF"/>
-                </a:solidFill>
-              </a14:hiddenFill>
-            </a:ext>
-          </a:extLst>
-        </p:spPr>
-      </p:pic>
-      <p:sp>
-        <p:nvSpPr>
-          <p:cNvPr id="29" name="CaixaDeTexto 28">
-            <a:extLst>
-              <a:ext uri="{FF2B5EF4-FFF2-40B4-BE49-F238E27FC236}">
-                <a16:creationId xmlns:a16="http://schemas.microsoft.com/office/drawing/2014/main" id="{F9097F2B-6FC4-436D-AD25-DC09E4DE6218}"/>
-              </a:ext>
-            </a:extLst>
-          </p:cNvPr>
-          <p:cNvSpPr txBox="1"/>
-          <p:nvPr/>
+      <p:sp>
+        <p:nvSpPr>
+          <p:cNvPr id="2" name="Título 1">
+            <a:extLst>
+              <a:ext uri="{FF2B5EF4-FFF2-40B4-BE49-F238E27FC236}">
+                <a16:creationId xmlns:a16="http://schemas.microsoft.com/office/drawing/2014/main" id="{55E84854-A664-48CA-BAFA-B79AC1B7F835}"/>
+              </a:ext>
+            </a:extLst>
+          </p:cNvPr>
+          <p:cNvSpPr>
+            <a:spLocks noGrp="1"/>
+          </p:cNvSpPr>
+          <p:nvPr>
+            <p:ph type="ctrTitle"/>
+          </p:nvPr>
         </p:nvSpPr>
         <p:spPr>
           <a:xfrm>
-            <a:off x="717452" y="271716"/>
-            <a:ext cx="3607649" cy="600164"/>
-          </a:xfrm>
-          <a:prstGeom prst="rect">
-            <a:avLst/>
-          </a:prstGeom>
-          <a:noFill/>
-        </p:spPr>
-        <p:txBody>
-          <a:bodyPr wrap="square" rtlCol="0">
-            <a:spAutoFit/>
+            <a:off x="1524000" y="1362764"/>
+            <a:ext cx="9144000" cy="1787180"/>
+          </a:xfrm>
+        </p:spPr>
+        <p:txBody>
+          <a:bodyPr>
+            <a:normAutofit/>
           </a:bodyPr>
           <a:lstStyle/>
           <a:p>
             <a:r>
-              <a:rPr lang="pt-BR" sz="3300" b="1" dirty="0">
+              <a:rPr lang="pt-BR" sz="3600" b="1" dirty="0">
                 <a:solidFill>
                   <a:srgbClr val="00B0F0"/>
                 </a:solidFill>
                 <a:latin typeface="Exo 2" panose="00000500000000000000" pitchFamily="50" charset="0"/>
               </a:rPr>
-              <a:t>Ferramentas</a:t>
+              <a:t>Solução para monitoramento de dispositivos </a:t>
+            </a:r>
+            <a:r>
+              <a:rPr lang="pt-BR" sz="3600" b="1">
+                <a:solidFill>
+                  <a:srgbClr val="00B0F0"/>
+                </a:solidFill>
+                <a:latin typeface="Exo 2" panose="00000500000000000000" pitchFamily="50" charset="0"/>
+              </a:rPr>
+              <a:t>de hardware </a:t>
+            </a:r>
+            <a:endParaRPr lang="pt-BR" sz="3600" b="1" dirty="0">
+              <a:solidFill>
+                <a:srgbClr val="00B0F0"/>
+              </a:solidFill>
+              <a:latin typeface="Exo 2" panose="00000500000000000000" pitchFamily="50" charset="0"/>
+            </a:endParaRPr>
+          </a:p>
+        </p:txBody>
+      </p:sp>
+      <p:sp>
+        <p:nvSpPr>
+          <p:cNvPr id="3" name="Subtítulo 2">
+            <a:extLst>
+              <a:ext uri="{FF2B5EF4-FFF2-40B4-BE49-F238E27FC236}">
+                <a16:creationId xmlns:a16="http://schemas.microsoft.com/office/drawing/2014/main" id="{D06051DB-B7BE-45E8-81B2-075132EB93CE}"/>
+              </a:ext>
+            </a:extLst>
+          </p:cNvPr>
+          <p:cNvSpPr>
+            <a:spLocks noGrp="1"/>
+          </p:cNvSpPr>
+          <p:nvPr>
+            <p:ph type="subTitle" idx="1"/>
+          </p:nvPr>
+        </p:nvSpPr>
+        <p:spPr>
+          <a:xfrm>
+            <a:off x="1524000" y="3708056"/>
+            <a:ext cx="9144000" cy="1655762"/>
+          </a:xfrm>
+        </p:spPr>
+        <p:txBody>
+          <a:bodyPr>
+            <a:normAutofit fontScale="77500" lnSpcReduction="20000"/>
+          </a:bodyPr>
+          <a:lstStyle/>
+          <a:p>
+            <a:pPr algn="just"/>
+            <a:r>
+              <a:rPr lang="pt-BR" dirty="0">
+                <a:latin typeface="Exo 2 Medium" panose="00000600000000000000" pitchFamily="50" charset="0"/>
+              </a:rPr>
+              <a:t>Fernanda Esteves 01191</a:t>
+            </a:r>
+          </a:p>
+          <a:p>
+            <a:pPr algn="just"/>
+            <a:r>
+              <a:rPr lang="pt-BR" dirty="0">
+                <a:latin typeface="Exo 2 Medium" panose="00000600000000000000" pitchFamily="50" charset="0"/>
+              </a:rPr>
+              <a:t>Matheus </a:t>
+            </a:r>
+            <a:r>
+              <a:rPr lang="pt-BR" dirty="0" err="1">
+                <a:latin typeface="Exo 2 Medium" panose="00000600000000000000" pitchFamily="50" charset="0"/>
+              </a:rPr>
+              <a:t>Huk</a:t>
+            </a:r>
+            <a:r>
+              <a:rPr lang="pt-BR" dirty="0">
+                <a:latin typeface="Exo 2 Medium" panose="00000600000000000000" pitchFamily="50" charset="0"/>
+              </a:rPr>
+              <a:t> 01191</a:t>
+            </a:r>
+          </a:p>
+          <a:p>
+            <a:pPr algn="just"/>
+            <a:r>
+              <a:rPr lang="pt-BR" dirty="0">
+                <a:latin typeface="Exo 2 Medium" panose="00000600000000000000" pitchFamily="50" charset="0"/>
+              </a:rPr>
+              <a:t>Oscar </a:t>
+            </a:r>
+            <a:r>
+              <a:rPr lang="pt-BR" dirty="0" err="1">
+                <a:latin typeface="Exo 2 Medium" panose="00000600000000000000" pitchFamily="50" charset="0"/>
+              </a:rPr>
+              <a:t>Althausen</a:t>
+            </a:r>
+            <a:r>
+              <a:rPr lang="pt-BR" dirty="0">
+                <a:latin typeface="Exo 2 Medium" panose="00000600000000000000" pitchFamily="50" charset="0"/>
+              </a:rPr>
+              <a:t> 01191</a:t>
+            </a:r>
+          </a:p>
+          <a:p>
+            <a:pPr algn="just"/>
+            <a:r>
+              <a:rPr lang="pt-BR" dirty="0">
+                <a:latin typeface="Exo 2 Medium" panose="00000600000000000000" pitchFamily="50" charset="0"/>
+              </a:rPr>
+              <a:t>Victor Francisco 01191</a:t>
+            </a:r>
+          </a:p>
+          <a:p>
+            <a:pPr algn="just"/>
+            <a:r>
+              <a:rPr lang="pt-BR" dirty="0">
+                <a:latin typeface="Exo 2 Medium" panose="00000600000000000000" pitchFamily="50" charset="0"/>
+              </a:rPr>
+              <a:t>Raissa Arantes 01191040b</a:t>
             </a:r>
           </a:p>
         </p:txBody>
@@ -3658,7 +3492,7 @@
     </p:spTree>
     <p:extLst>
       <p:ext uri="{BB962C8B-B14F-4D97-AF65-F5344CB8AC3E}">
-        <p14:creationId xmlns:p14="http://schemas.microsoft.com/office/powerpoint/2010/main" val="1626994494"/>
+        <p14:creationId xmlns:p14="http://schemas.microsoft.com/office/powerpoint/2010/main" val="3243608182"/>
       </p:ext>
     </p:extLst>
   </p:cSld>
@@ -3669,6 +3503,142 @@
 </file>
 
 <file path=ppt/slides/slide10.xml><?xml version="1.0" encoding="utf-8"?>
+<p:sld xmlns:a="http://schemas.openxmlformats.org/drawingml/2006/main" xmlns:r="http://schemas.openxmlformats.org/officeDocument/2006/relationships" xmlns:p="http://schemas.openxmlformats.org/presentationml/2006/main">
+  <p:cSld>
+    <p:spTree>
+      <p:nvGrpSpPr>
+        <p:cNvPr id="1" name=""/>
+        <p:cNvGrpSpPr/>
+        <p:nvPr/>
+      </p:nvGrpSpPr>
+      <p:grpSpPr>
+        <a:xfrm>
+          <a:off x="0" y="0"/>
+          <a:ext cx="0" cy="0"/>
+          <a:chOff x="0" y="0"/>
+          <a:chExt cx="0" cy="0"/>
+        </a:xfrm>
+      </p:grpSpPr>
+      <p:sp>
+        <p:nvSpPr>
+          <p:cNvPr id="2" name="Título 1">
+            <a:extLst>
+              <a:ext uri="{FF2B5EF4-FFF2-40B4-BE49-F238E27FC236}">
+                <a16:creationId xmlns:a16="http://schemas.microsoft.com/office/drawing/2014/main" id="{79154C64-B7C5-438B-A45A-1F55555A552B}"/>
+              </a:ext>
+            </a:extLst>
+          </p:cNvPr>
+          <p:cNvSpPr txBox="1">
+            <a:spLocks/>
+          </p:cNvSpPr>
+          <p:nvPr/>
+        </p:nvSpPr>
+        <p:spPr>
+          <a:xfrm>
+            <a:off x="838200" y="365125"/>
+            <a:ext cx="10515600" cy="1325563"/>
+          </a:xfrm>
+          <a:prstGeom prst="rect">
+            <a:avLst/>
+          </a:prstGeom>
+        </p:spPr>
+        <p:txBody>
+          <a:bodyPr/>
+          <a:lstStyle>
+            <a:lvl1pPr algn="l" defTabSz="914400" rtl="0" eaLnBrk="1" latinLnBrk="0" hangingPunct="1">
+              <a:lnSpc>
+                <a:spcPct val="90000"/>
+              </a:lnSpc>
+              <a:spcBef>
+                <a:spcPct val="0"/>
+              </a:spcBef>
+              <a:buNone/>
+              <a:defRPr sz="4400" kern="1200">
+                <a:solidFill>
+                  <a:schemeClr val="tx1"/>
+                </a:solidFill>
+                <a:latin typeface="+mj-lt"/>
+                <a:ea typeface="+mj-ea"/>
+                <a:cs typeface="+mj-cs"/>
+              </a:defRPr>
+            </a:lvl1pPr>
+          </a:lstStyle>
+          <a:p>
+            <a:r>
+              <a:rPr lang="pt-BR" sz="3300" b="1" dirty="0">
+                <a:solidFill>
+                  <a:srgbClr val="00B0F0"/>
+                </a:solidFill>
+                <a:latin typeface="Exo 2" panose="00000500000000000000" pitchFamily="50" charset="0"/>
+              </a:rPr>
+              <a:t>Requisitos</a:t>
+            </a:r>
+            <a:endParaRPr lang="pt-BR" dirty="0"/>
+          </a:p>
+        </p:txBody>
+      </p:sp>
+      <p:pic>
+        <p:nvPicPr>
+          <p:cNvPr id="1026" name="Picture 2" descr="Resultado de imagem para requisitos">
+            <a:hlinkClick r:id="rId2" action="ppaction://hlinkfile"/>
+            <a:extLst>
+              <a:ext uri="{FF2B5EF4-FFF2-40B4-BE49-F238E27FC236}">
+                <a16:creationId xmlns:a16="http://schemas.microsoft.com/office/drawing/2014/main" id="{0D05C6FA-FDEA-4F58-A1AF-87CB413F7E99}"/>
+              </a:ext>
+            </a:extLst>
+          </p:cNvPr>
+          <p:cNvPicPr>
+            <a:picLocks noChangeAspect="1" noChangeArrowheads="1"/>
+          </p:cNvPicPr>
+          <p:nvPr/>
+        </p:nvPicPr>
+        <p:blipFill>
+          <a:blip r:embed="rId3">
+            <a:extLst>
+              <a:ext uri="{28A0092B-C50C-407E-A947-70E740481C1C}">
+                <a14:useLocalDpi xmlns:a14="http://schemas.microsoft.com/office/drawing/2010/main" val="0"/>
+              </a:ext>
+            </a:extLst>
+          </a:blip>
+          <a:srcRect/>
+          <a:stretch>
+            <a:fillRect/>
+          </a:stretch>
+        </p:blipFill>
+        <p:spPr bwMode="auto">
+          <a:xfrm>
+            <a:off x="4191000" y="1690688"/>
+            <a:ext cx="3810000" cy="3810000"/>
+          </a:xfrm>
+          <a:prstGeom prst="rect">
+            <a:avLst/>
+          </a:prstGeom>
+          <a:noFill/>
+          <a:extLst>
+            <a:ext uri="{909E8E84-426E-40DD-AFC4-6F175D3DCCD1}">
+              <a14:hiddenFill xmlns:a14="http://schemas.microsoft.com/office/drawing/2010/main">
+                <a:solidFill>
+                  <a:srgbClr val="FFFFFF"/>
+                </a:solidFill>
+              </a14:hiddenFill>
+            </a:ext>
+          </a:extLst>
+        </p:spPr>
+      </p:pic>
+    </p:spTree>
+    <p:extLst>
+      <p:ext uri="{BB962C8B-B14F-4D97-AF65-F5344CB8AC3E}">
+        <p14:creationId xmlns:p14="http://schemas.microsoft.com/office/powerpoint/2010/main" val="369677390"/>
+      </p:ext>
+    </p:extLst>
+  </p:cSld>
+  <p:clrMapOvr>
+    <a:masterClrMapping/>
+  </p:clrMapOvr>
+</p:sld>
+</file>
+
+<file path=ppt/slides/slide11.xml><?xml version="1.0" encoding="utf-8"?>
 <p:sld xmlns:a="http://schemas.openxmlformats.org/drawingml/2006/main" xmlns:r="http://schemas.openxmlformats.org/officeDocument/2006/relationships" xmlns:p="http://schemas.openxmlformats.org/presentationml/2006/main">
   <p:cSld>
     <p:spTree>
@@ -3839,6 +3809,356 @@
           <a:chExt cx="0" cy="0"/>
         </a:xfrm>
       </p:grpSpPr>
+      <p:pic>
+        <p:nvPicPr>
+          <p:cNvPr id="3074" name="Picture 2" descr="Resultado de imagem para planner microsoft icon">
+            <a:hlinkClick r:id="rId2"/>
+            <a:extLst>
+              <a:ext uri="{FF2B5EF4-FFF2-40B4-BE49-F238E27FC236}">
+                <a16:creationId xmlns:a16="http://schemas.microsoft.com/office/drawing/2014/main" id="{DCC76534-000A-48BA-837B-DC626F792F16}"/>
+              </a:ext>
+            </a:extLst>
+          </p:cNvPr>
+          <p:cNvPicPr>
+            <a:picLocks noChangeAspect="1" noChangeArrowheads="1"/>
+          </p:cNvPicPr>
+          <p:nvPr/>
+        </p:nvPicPr>
+        <p:blipFill>
+          <a:blip r:embed="rId3">
+            <a:extLst>
+              <a:ext uri="{28A0092B-C50C-407E-A947-70E740481C1C}">
+                <a14:useLocalDpi xmlns:a14="http://schemas.microsoft.com/office/drawing/2010/main" val="0"/>
+              </a:ext>
+            </a:extLst>
+          </a:blip>
+          <a:srcRect/>
+          <a:stretch>
+            <a:fillRect/>
+          </a:stretch>
+        </p:blipFill>
+        <p:spPr bwMode="auto">
+          <a:xfrm>
+            <a:off x="1602728" y="2486842"/>
+            <a:ext cx="2183251" cy="1695658"/>
+          </a:xfrm>
+          <a:prstGeom prst="rect">
+            <a:avLst/>
+          </a:prstGeom>
+          <a:noFill/>
+          <a:extLst>
+            <a:ext uri="{909E8E84-426E-40DD-AFC4-6F175D3DCCD1}">
+              <a14:hiddenFill xmlns:a14="http://schemas.microsoft.com/office/drawing/2010/main">
+                <a:solidFill>
+                  <a:srgbClr val="FFFFFF"/>
+                </a:solidFill>
+              </a14:hiddenFill>
+            </a:ext>
+          </a:extLst>
+        </p:spPr>
+      </p:pic>
+      <p:pic>
+        <p:nvPicPr>
+          <p:cNvPr id="3080" name="Picture 8" descr="Resultado de imagem para github icon">
+            <a:hlinkClick r:id="rId4"/>
+            <a:extLst>
+              <a:ext uri="{FF2B5EF4-FFF2-40B4-BE49-F238E27FC236}">
+                <a16:creationId xmlns:a16="http://schemas.microsoft.com/office/drawing/2014/main" id="{25C0851C-8033-40C9-A785-924357AF901C}"/>
+              </a:ext>
+            </a:extLst>
+          </p:cNvPr>
+          <p:cNvPicPr>
+            <a:picLocks noChangeAspect="1" noChangeArrowheads="1"/>
+          </p:cNvPicPr>
+          <p:nvPr/>
+        </p:nvPicPr>
+        <p:blipFill>
+          <a:blip r:embed="rId5">
+            <a:extLst>
+              <a:ext uri="{28A0092B-C50C-407E-A947-70E740481C1C}">
+                <a14:useLocalDpi xmlns:a14="http://schemas.microsoft.com/office/drawing/2010/main" val="0"/>
+              </a:ext>
+            </a:extLst>
+          </a:blip>
+          <a:srcRect/>
+          <a:stretch>
+            <a:fillRect/>
+          </a:stretch>
+        </p:blipFill>
+        <p:spPr bwMode="auto">
+          <a:xfrm>
+            <a:off x="5369615" y="2514599"/>
+            <a:ext cx="1452770" cy="1452770"/>
+          </a:xfrm>
+          <a:prstGeom prst="rect">
+            <a:avLst/>
+          </a:prstGeom>
+          <a:noFill/>
+          <a:extLst>
+            <a:ext uri="{909E8E84-426E-40DD-AFC4-6F175D3DCCD1}">
+              <a14:hiddenFill xmlns:a14="http://schemas.microsoft.com/office/drawing/2010/main">
+                <a:solidFill>
+                  <a:srgbClr val="FFFFFF"/>
+                </a:solidFill>
+              </a14:hiddenFill>
+            </a:ext>
+          </a:extLst>
+        </p:spPr>
+      </p:pic>
+      <p:pic>
+        <p:nvPicPr>
+          <p:cNvPr id="3082" name="Picture 10" descr="Resultado de imagem para github icon">
+            <a:extLst>
+              <a:ext uri="{FF2B5EF4-FFF2-40B4-BE49-F238E27FC236}">
+                <a16:creationId xmlns:a16="http://schemas.microsoft.com/office/drawing/2014/main" id="{E3969A3E-31E6-414C-8342-A42A23998F72}"/>
+              </a:ext>
+            </a:extLst>
+          </p:cNvPr>
+          <p:cNvPicPr>
+            <a:picLocks noChangeAspect="1" noChangeArrowheads="1"/>
+          </p:cNvPicPr>
+          <p:nvPr/>
+        </p:nvPicPr>
+        <p:blipFill>
+          <a:blip r:embed="rId6">
+            <a:extLst>
+              <a:ext uri="{28A0092B-C50C-407E-A947-70E740481C1C}">
+                <a14:useLocalDpi xmlns:a14="http://schemas.microsoft.com/office/drawing/2010/main" val="0"/>
+              </a:ext>
+            </a:extLst>
+          </a:blip>
+          <a:srcRect/>
+          <a:stretch>
+            <a:fillRect/>
+          </a:stretch>
+        </p:blipFill>
+        <p:spPr bwMode="auto">
+          <a:xfrm>
+            <a:off x="5176630" y="4159211"/>
+            <a:ext cx="2046706" cy="505967"/>
+          </a:xfrm>
+          <a:prstGeom prst="rect">
+            <a:avLst/>
+          </a:prstGeom>
+          <a:noFill/>
+          <a:extLst>
+            <a:ext uri="{909E8E84-426E-40DD-AFC4-6F175D3DCCD1}">
+              <a14:hiddenFill xmlns:a14="http://schemas.microsoft.com/office/drawing/2010/main">
+                <a:solidFill>
+                  <a:srgbClr val="FFFFFF"/>
+                </a:solidFill>
+              </a14:hiddenFill>
+            </a:ext>
+          </a:extLst>
+        </p:spPr>
+      </p:pic>
+      <p:pic>
+        <p:nvPicPr>
+          <p:cNvPr id="3084" name="Picture 12" descr="Imagem relacionada">
+            <a:extLst>
+              <a:ext uri="{FF2B5EF4-FFF2-40B4-BE49-F238E27FC236}">
+                <a16:creationId xmlns:a16="http://schemas.microsoft.com/office/drawing/2014/main" id="{19AD249B-1329-44A6-87D4-062F13BDE175}"/>
+              </a:ext>
+            </a:extLst>
+          </p:cNvPr>
+          <p:cNvPicPr>
+            <a:picLocks noChangeAspect="1" noChangeArrowheads="1"/>
+          </p:cNvPicPr>
+          <p:nvPr/>
+        </p:nvPicPr>
+        <p:blipFill rotWithShape="1">
+          <a:blip r:embed="rId7">
+            <a:extLst>
+              <a:ext uri="{28A0092B-C50C-407E-A947-70E740481C1C}">
+                <a14:useLocalDpi xmlns:a14="http://schemas.microsoft.com/office/drawing/2010/main" val="0"/>
+              </a:ext>
+            </a:extLst>
+          </a:blip>
+          <a:srcRect l="46209" t="41691" r="20256" b="33292"/>
+          <a:stretch/>
+        </p:blipFill>
+        <p:spPr bwMode="auto">
+          <a:xfrm>
+            <a:off x="1947240" y="4182500"/>
+            <a:ext cx="1838739" cy="692789"/>
+          </a:xfrm>
+          <a:prstGeom prst="rect">
+            <a:avLst/>
+          </a:prstGeom>
+          <a:noFill/>
+          <a:extLst>
+            <a:ext uri="{909E8E84-426E-40DD-AFC4-6F175D3DCCD1}">
+              <a14:hiddenFill xmlns:a14="http://schemas.microsoft.com/office/drawing/2010/main">
+                <a:solidFill>
+                  <a:srgbClr val="FFFFFF"/>
+                </a:solidFill>
+              </a14:hiddenFill>
+            </a:ext>
+          </a:extLst>
+        </p:spPr>
+      </p:pic>
+      <p:pic>
+        <p:nvPicPr>
+          <p:cNvPr id="8" name="Picture 2" descr="Resultado de imagem para azure png">
+            <a:hlinkClick r:id="rId8"/>
+            <a:extLst>
+              <a:ext uri="{FF2B5EF4-FFF2-40B4-BE49-F238E27FC236}">
+                <a16:creationId xmlns:a16="http://schemas.microsoft.com/office/drawing/2014/main" id="{2AC5B454-3B54-4C51-867D-BAE5F9853A8D}"/>
+              </a:ext>
+            </a:extLst>
+          </p:cNvPr>
+          <p:cNvPicPr>
+            <a:picLocks noChangeAspect="1" noChangeArrowheads="1"/>
+          </p:cNvPicPr>
+          <p:nvPr/>
+        </p:nvPicPr>
+        <p:blipFill rotWithShape="1">
+          <a:blip r:embed="rId9">
+            <a:extLst>
+              <a:ext uri="{28A0092B-C50C-407E-A947-70E740481C1C}">
+                <a14:useLocalDpi xmlns:a14="http://schemas.microsoft.com/office/drawing/2010/main" val="0"/>
+              </a:ext>
+            </a:extLst>
+          </a:blip>
+          <a:srcRect l="39239" t="22781"/>
+          <a:stretch/>
+        </p:blipFill>
+        <p:spPr bwMode="auto">
+          <a:xfrm>
+            <a:off x="8918490" y="4159211"/>
+            <a:ext cx="1627844" cy="598003"/>
+          </a:xfrm>
+          <a:prstGeom prst="rect">
+            <a:avLst/>
+          </a:prstGeom>
+          <a:noFill/>
+          <a:extLst>
+            <a:ext uri="{909E8E84-426E-40DD-AFC4-6F175D3DCCD1}">
+              <a14:hiddenFill xmlns:a14="http://schemas.microsoft.com/office/drawing/2010/main">
+                <a:solidFill>
+                  <a:srgbClr val="FFFFFF"/>
+                </a:solidFill>
+              </a14:hiddenFill>
+            </a:ext>
+          </a:extLst>
+        </p:spPr>
+      </p:pic>
+      <p:pic>
+        <p:nvPicPr>
+          <p:cNvPr id="28" name="Picture 2" descr="Resultado de imagem para azure png">
+            <a:hlinkClick r:id="rId8"/>
+            <a:extLst>
+              <a:ext uri="{FF2B5EF4-FFF2-40B4-BE49-F238E27FC236}">
+                <a16:creationId xmlns:a16="http://schemas.microsoft.com/office/drawing/2014/main" id="{31DC45F7-35E2-472A-B458-D828E04F1987}"/>
+              </a:ext>
+            </a:extLst>
+          </p:cNvPr>
+          <p:cNvPicPr>
+            <a:picLocks noChangeAspect="1" noChangeArrowheads="1"/>
+          </p:cNvPicPr>
+          <p:nvPr/>
+        </p:nvPicPr>
+        <p:blipFill rotWithShape="1">
+          <a:blip r:embed="rId9">
+            <a:extLst>
+              <a:ext uri="{28A0092B-C50C-407E-A947-70E740481C1C}">
+                <a14:useLocalDpi xmlns:a14="http://schemas.microsoft.com/office/drawing/2010/main" val="0"/>
+              </a:ext>
+            </a:extLst>
+          </a:blip>
+          <a:srcRect r="60761"/>
+          <a:stretch/>
+        </p:blipFill>
+        <p:spPr bwMode="auto">
+          <a:xfrm>
+            <a:off x="8961427" y="2698789"/>
+            <a:ext cx="1627845" cy="1199194"/>
+          </a:xfrm>
+          <a:prstGeom prst="rect">
+            <a:avLst/>
+          </a:prstGeom>
+          <a:noFill/>
+          <a:extLst>
+            <a:ext uri="{909E8E84-426E-40DD-AFC4-6F175D3DCCD1}">
+              <a14:hiddenFill xmlns:a14="http://schemas.microsoft.com/office/drawing/2010/main">
+                <a:solidFill>
+                  <a:srgbClr val="FFFFFF"/>
+                </a:solidFill>
+              </a14:hiddenFill>
+            </a:ext>
+          </a:extLst>
+        </p:spPr>
+      </p:pic>
+      <p:sp>
+        <p:nvSpPr>
+          <p:cNvPr id="29" name="CaixaDeTexto 28">
+            <a:extLst>
+              <a:ext uri="{FF2B5EF4-FFF2-40B4-BE49-F238E27FC236}">
+                <a16:creationId xmlns:a16="http://schemas.microsoft.com/office/drawing/2014/main" id="{F9097F2B-6FC4-436D-AD25-DC09E4DE6218}"/>
+              </a:ext>
+            </a:extLst>
+          </p:cNvPr>
+          <p:cNvSpPr txBox="1"/>
+          <p:nvPr/>
+        </p:nvSpPr>
+        <p:spPr>
+          <a:xfrm>
+            <a:off x="717452" y="271716"/>
+            <a:ext cx="3607649" cy="600164"/>
+          </a:xfrm>
+          <a:prstGeom prst="rect">
+            <a:avLst/>
+          </a:prstGeom>
+          <a:noFill/>
+        </p:spPr>
+        <p:txBody>
+          <a:bodyPr wrap="square" rtlCol="0">
+            <a:spAutoFit/>
+          </a:bodyPr>
+          <a:lstStyle/>
+          <a:p>
+            <a:r>
+              <a:rPr lang="pt-BR" sz="3300" b="1" dirty="0">
+                <a:solidFill>
+                  <a:srgbClr val="00B0F0"/>
+                </a:solidFill>
+                <a:latin typeface="Exo 2" panose="00000500000000000000" pitchFamily="50" charset="0"/>
+              </a:rPr>
+              <a:t>Ferramentas</a:t>
+            </a:r>
+          </a:p>
+        </p:txBody>
+      </p:sp>
+    </p:spTree>
+    <p:extLst>
+      <p:ext uri="{BB962C8B-B14F-4D97-AF65-F5344CB8AC3E}">
+        <p14:creationId xmlns:p14="http://schemas.microsoft.com/office/powerpoint/2010/main" val="1626994494"/>
+      </p:ext>
+    </p:extLst>
+  </p:cSld>
+  <p:clrMapOvr>
+    <a:masterClrMapping/>
+  </p:clrMapOvr>
+</p:sld>
+</file>
+
+<file path=ppt/slides/slide3.xml><?xml version="1.0" encoding="utf-8"?>
+<p:sld xmlns:a="http://schemas.openxmlformats.org/drawingml/2006/main" xmlns:r="http://schemas.openxmlformats.org/officeDocument/2006/relationships" xmlns:p="http://schemas.openxmlformats.org/presentationml/2006/main">
+  <p:cSld>
+    <p:spTree>
+      <p:nvGrpSpPr>
+        <p:cNvPr id="1" name=""/>
+        <p:cNvGrpSpPr/>
+        <p:nvPr/>
+      </p:nvGrpSpPr>
+      <p:grpSpPr>
+        <a:xfrm>
+          <a:off x="0" y="0"/>
+          <a:ext cx="0" cy="0"/>
+          <a:chOff x="0" y="0"/>
+          <a:chExt cx="0" cy="0"/>
+        </a:xfrm>
+      </p:grpSpPr>
       <p:sp>
         <p:nvSpPr>
           <p:cNvPr id="4" name="CaixaDeTexto 3">
@@ -4401,452 +4721,6 @@
     <p:extLst>
       <p:ext uri="{BB962C8B-B14F-4D97-AF65-F5344CB8AC3E}">
         <p14:creationId xmlns:p14="http://schemas.microsoft.com/office/powerpoint/2010/main" val="898681739"/>
-      </p:ext>
-    </p:extLst>
-  </p:cSld>
-  <p:clrMapOvr>
-    <a:masterClrMapping/>
-  </p:clrMapOvr>
-</p:sld>
-</file>
-
-<file path=ppt/slides/slide3.xml><?xml version="1.0" encoding="utf-8"?>
-<p:sld xmlns:a="http://schemas.openxmlformats.org/drawingml/2006/main" xmlns:r="http://schemas.openxmlformats.org/officeDocument/2006/relationships" xmlns:p="http://schemas.openxmlformats.org/presentationml/2006/main">
-  <p:cSld>
-    <p:bg>
-      <p:bgPr>
-        <a:solidFill>
-          <a:schemeClr val="bg1"/>
-        </a:solidFill>
-        <a:effectLst/>
-      </p:bgPr>
-    </p:bg>
-    <p:spTree>
-      <p:nvGrpSpPr>
-        <p:cNvPr id="1" name=""/>
-        <p:cNvGrpSpPr/>
-        <p:nvPr/>
-      </p:nvGrpSpPr>
-      <p:grpSpPr>
-        <a:xfrm>
-          <a:off x="0" y="0"/>
-          <a:ext cx="0" cy="0"/>
-          <a:chOff x="0" y="0"/>
-          <a:chExt cx="0" cy="0"/>
-        </a:xfrm>
-      </p:grpSpPr>
-      <p:pic>
-        <p:nvPicPr>
-          <p:cNvPr id="7" name="Imagem 6" descr="Uma imagem contendo texto, mapa&#10;&#10;Descrição gerada automaticamente">
-            <a:extLst>
-              <a:ext uri="{FF2B5EF4-FFF2-40B4-BE49-F238E27FC236}">
-                <a16:creationId xmlns:a16="http://schemas.microsoft.com/office/drawing/2014/main" id="{D696794E-610E-43AF-B5DF-3601CFF21CB6}"/>
-              </a:ext>
-            </a:extLst>
-          </p:cNvPr>
-          <p:cNvPicPr>
-            <a:picLocks noChangeAspect="1"/>
-          </p:cNvPicPr>
-          <p:nvPr/>
-        </p:nvPicPr>
-        <p:blipFill rotWithShape="1">
-          <a:blip r:embed="rId2">
-            <a:extLst>
-              <a:ext uri="{28A0092B-C50C-407E-A947-70E740481C1C}">
-                <a14:useLocalDpi xmlns:a14="http://schemas.microsoft.com/office/drawing/2010/main" val="0"/>
-              </a:ext>
-            </a:extLst>
-          </a:blip>
-          <a:srcRect l="74887" b="50145"/>
-          <a:stretch/>
-        </p:blipFill>
-        <p:spPr>
-          <a:xfrm>
-            <a:off x="776315" y="3571946"/>
-            <a:ext cx="2558661" cy="3225754"/>
-          </a:xfrm>
-          <a:prstGeom prst="rect">
-            <a:avLst/>
-          </a:prstGeom>
-        </p:spPr>
-      </p:pic>
-      <p:sp>
-        <p:nvSpPr>
-          <p:cNvPr id="13" name="Rectangle 12">
-            <a:extLst>
-              <a:ext uri="{FF2B5EF4-FFF2-40B4-BE49-F238E27FC236}">
-                <a16:creationId xmlns:a16="http://schemas.microsoft.com/office/drawing/2014/main" id="{E3B4FF89-C45F-4E24-B963-61E855708F2A}"/>
-              </a:ext>
-              <a:ext uri="{C183D7F6-B498-43B3-948B-1728B52AA6E4}">
-                <adec:decorative xmlns:adec="http://schemas.microsoft.com/office/drawing/2017/decorative" val="1"/>
-              </a:ext>
-            </a:extLst>
-          </p:cNvPr>
-          <p:cNvSpPr>
-            <a:spLocks noGrp="1" noRot="1" noChangeAspect="1" noMove="1" noResize="1" noEditPoints="1" noAdjustHandles="1" noChangeArrowheads="1" noChangeShapeType="1" noTextEdit="1"/>
-          </p:cNvSpPr>
-          <p:nvPr>
-            <p:extLst>
-              <p:ext uri="{386F3935-93C4-4BCD-93E2-E3B085C9AB24}">
-                <p16:designElem xmlns:p16="http://schemas.microsoft.com/office/powerpoint/2015/main" val="1"/>
-              </p:ext>
-            </p:extLst>
-          </p:nvPr>
-        </p:nvSpPr>
-        <p:spPr>
-          <a:xfrm>
-            <a:off x="4023671" y="0"/>
-            <a:ext cx="73152" cy="6858000"/>
-          </a:xfrm>
-          <a:prstGeom prst="rect">
-            <a:avLst/>
-          </a:prstGeom>
-          <a:solidFill>
-            <a:schemeClr val="tx1">
-              <a:lumMod val="75000"/>
-              <a:lumOff val="25000"/>
-            </a:schemeClr>
-          </a:solidFill>
-          <a:ln>
-            <a:noFill/>
-          </a:ln>
-        </p:spPr>
-        <p:style>
-          <a:lnRef idx="2">
-            <a:schemeClr val="accent1">
-              <a:shade val="50000"/>
-            </a:schemeClr>
-          </a:lnRef>
-          <a:fillRef idx="1">
-            <a:schemeClr val="accent1"/>
-          </a:fillRef>
-          <a:effectRef idx="0">
-            <a:schemeClr val="accent1"/>
-          </a:effectRef>
-          <a:fontRef idx="minor">
-            <a:schemeClr val="lt1"/>
-          </a:fontRef>
-        </p:style>
-        <p:txBody>
-          <a:bodyPr rtlCol="0" anchor="ctr"/>
-          <a:lstStyle/>
-          <a:p>
-            <a:pPr algn="ctr"/>
-            <a:endParaRPr lang="en-US"/>
-          </a:p>
-        </p:txBody>
-      </p:sp>
-      <p:pic>
-        <p:nvPicPr>
-          <p:cNvPr id="8" name="Imagem 7" descr="Uma imagem contendo texto, mapa&#10;&#10;Descrição gerada automaticamente">
-            <a:extLst>
-              <a:ext uri="{FF2B5EF4-FFF2-40B4-BE49-F238E27FC236}">
-                <a16:creationId xmlns:a16="http://schemas.microsoft.com/office/drawing/2014/main" id="{707FC8A7-01C5-4093-B36A-C5D6196E8C26}"/>
-              </a:ext>
-            </a:extLst>
-          </p:cNvPr>
-          <p:cNvPicPr>
-            <a:picLocks noChangeAspect="1"/>
-          </p:cNvPicPr>
-          <p:nvPr/>
-        </p:nvPicPr>
-        <p:blipFill rotWithShape="1">
-          <a:blip r:embed="rId2">
-            <a:extLst>
-              <a:ext uri="{28A0092B-C50C-407E-A947-70E740481C1C}">
-                <a14:useLocalDpi xmlns:a14="http://schemas.microsoft.com/office/drawing/2010/main" val="0"/>
-              </a:ext>
-            </a:extLst>
-          </a:blip>
-          <a:srcRect l="25403" t="48696" r="50269" b="266"/>
-          <a:stretch/>
-        </p:blipFill>
-        <p:spPr>
-          <a:xfrm>
-            <a:off x="8853026" y="3571945"/>
-            <a:ext cx="2480591" cy="3106534"/>
-          </a:xfrm>
-          <a:prstGeom prst="rect">
-            <a:avLst/>
-          </a:prstGeom>
-        </p:spPr>
-      </p:pic>
-      <p:sp>
-        <p:nvSpPr>
-          <p:cNvPr id="15" name="Rectangle 14">
-            <a:extLst>
-              <a:ext uri="{FF2B5EF4-FFF2-40B4-BE49-F238E27FC236}">
-                <a16:creationId xmlns:a16="http://schemas.microsoft.com/office/drawing/2014/main" id="{14F25C03-EF67-4344-8AEA-7B3FA0DED024}"/>
-              </a:ext>
-              <a:ext uri="{C183D7F6-B498-43B3-948B-1728B52AA6E4}">
-                <adec:decorative xmlns:adec="http://schemas.microsoft.com/office/drawing/2017/decorative" val="1"/>
-              </a:ext>
-            </a:extLst>
-          </p:cNvPr>
-          <p:cNvSpPr>
-            <a:spLocks noGrp="1" noRot="1" noChangeAspect="1" noMove="1" noResize="1" noEditPoints="1" noAdjustHandles="1" noChangeArrowheads="1" noChangeShapeType="1" noTextEdit="1"/>
-          </p:cNvSpPr>
-          <p:nvPr>
-            <p:extLst>
-              <p:ext uri="{386F3935-93C4-4BCD-93E2-E3B085C9AB24}">
-                <p16:designElem xmlns:p16="http://schemas.microsoft.com/office/powerpoint/2015/main" val="1"/>
-              </p:ext>
-            </p:extLst>
-          </p:nvPr>
-        </p:nvSpPr>
-        <p:spPr>
-          <a:xfrm>
-            <a:off x="8107836" y="0"/>
-            <a:ext cx="73152" cy="6858000"/>
-          </a:xfrm>
-          <a:prstGeom prst="rect">
-            <a:avLst/>
-          </a:prstGeom>
-          <a:solidFill>
-            <a:schemeClr val="tx1">
-              <a:lumMod val="75000"/>
-              <a:lumOff val="25000"/>
-            </a:schemeClr>
-          </a:solidFill>
-          <a:ln>
-            <a:noFill/>
-          </a:ln>
-        </p:spPr>
-        <p:style>
-          <a:lnRef idx="2">
-            <a:schemeClr val="accent1">
-              <a:shade val="50000"/>
-            </a:schemeClr>
-          </a:lnRef>
-          <a:fillRef idx="1">
-            <a:schemeClr val="accent1"/>
-          </a:fillRef>
-          <a:effectRef idx="0">
-            <a:schemeClr val="accent1"/>
-          </a:effectRef>
-          <a:fontRef idx="minor">
-            <a:schemeClr val="lt1"/>
-          </a:fontRef>
-        </p:style>
-        <p:txBody>
-          <a:bodyPr rtlCol="0" anchor="ctr"/>
-          <a:lstStyle/>
-          <a:p>
-            <a:pPr algn="ctr"/>
-            <a:endParaRPr lang="en-US"/>
-          </a:p>
-        </p:txBody>
-      </p:sp>
-      <p:pic>
-        <p:nvPicPr>
-          <p:cNvPr id="3" name="Imagem 2" descr="Uma imagem contendo texto, mapa&#10;&#10;Descrição gerada automaticamente">
-            <a:extLst>
-              <a:ext uri="{FF2B5EF4-FFF2-40B4-BE49-F238E27FC236}">
-                <a16:creationId xmlns:a16="http://schemas.microsoft.com/office/drawing/2014/main" id="{62E34D70-BDD0-4C5E-96DE-E9B0C0A76474}"/>
-              </a:ext>
-            </a:extLst>
-          </p:cNvPr>
-          <p:cNvPicPr>
-            <a:picLocks noChangeAspect="1"/>
-          </p:cNvPicPr>
-          <p:nvPr/>
-        </p:nvPicPr>
-        <p:blipFill rotWithShape="1">
-          <a:blip r:embed="rId2">
-            <a:extLst>
-              <a:ext uri="{28A0092B-C50C-407E-A947-70E740481C1C}">
-                <a14:useLocalDpi xmlns:a14="http://schemas.microsoft.com/office/drawing/2010/main" val="0"/>
-              </a:ext>
-            </a:extLst>
-          </a:blip>
-          <a:srcRect r="74067" b="50000"/>
-          <a:stretch/>
-        </p:blipFill>
-        <p:spPr>
-          <a:xfrm>
-            <a:off x="776315" y="73153"/>
-            <a:ext cx="2558661" cy="3212902"/>
-          </a:xfrm>
-          <a:prstGeom prst="rect">
-            <a:avLst/>
-          </a:prstGeom>
-        </p:spPr>
-      </p:pic>
-      <p:sp>
-        <p:nvSpPr>
-          <p:cNvPr id="17" name="Rectangle 16">
-            <a:extLst>
-              <a:ext uri="{FF2B5EF4-FFF2-40B4-BE49-F238E27FC236}">
-                <a16:creationId xmlns:a16="http://schemas.microsoft.com/office/drawing/2014/main" id="{F74793DE-3651-410B-B243-8F0B1468E6A4}"/>
-              </a:ext>
-              <a:ext uri="{C183D7F6-B498-43B3-948B-1728B52AA6E4}">
-                <adec:decorative xmlns:adec="http://schemas.microsoft.com/office/drawing/2017/decorative" val="1"/>
-              </a:ext>
-            </a:extLst>
-          </p:cNvPr>
-          <p:cNvSpPr>
-            <a:spLocks noGrp="1" noRot="1" noChangeAspect="1" noMove="1" noResize="1" noEditPoints="1" noAdjustHandles="1" noChangeArrowheads="1" noChangeShapeType="1" noTextEdit="1"/>
-          </p:cNvSpPr>
-          <p:nvPr>
-            <p:extLst>
-              <p:ext uri="{386F3935-93C4-4BCD-93E2-E3B085C9AB24}">
-                <p16:designElem xmlns:p16="http://schemas.microsoft.com/office/powerpoint/2015/main" val="1"/>
-              </p:ext>
-            </p:extLst>
-          </p:nvPr>
-        </p:nvSpPr>
-        <p:spPr>
-          <a:xfrm rot="5400000">
-            <a:off x="6059424" y="-2665476"/>
-            <a:ext cx="73152" cy="12188952"/>
-          </a:xfrm>
-          <a:prstGeom prst="rect">
-            <a:avLst/>
-          </a:prstGeom>
-          <a:solidFill>
-            <a:schemeClr val="tx1">
-              <a:lumMod val="75000"/>
-              <a:lumOff val="25000"/>
-            </a:schemeClr>
-          </a:solidFill>
-          <a:ln>
-            <a:noFill/>
-          </a:ln>
-        </p:spPr>
-        <p:style>
-          <a:lnRef idx="2">
-            <a:schemeClr val="accent1">
-              <a:shade val="50000"/>
-            </a:schemeClr>
-          </a:lnRef>
-          <a:fillRef idx="1">
-            <a:schemeClr val="accent1"/>
-          </a:fillRef>
-          <a:effectRef idx="0">
-            <a:schemeClr val="accent1"/>
-          </a:effectRef>
-          <a:fontRef idx="minor">
-            <a:schemeClr val="lt1"/>
-          </a:fontRef>
-        </p:style>
-        <p:txBody>
-          <a:bodyPr rtlCol="0" anchor="ctr"/>
-          <a:lstStyle/>
-          <a:p>
-            <a:pPr algn="ctr"/>
-            <a:endParaRPr lang="en-US"/>
-          </a:p>
-        </p:txBody>
-      </p:sp>
-      <p:pic>
-        <p:nvPicPr>
-          <p:cNvPr id="4" name="Imagem 3" descr="Uma imagem contendo texto, mapa&#10;&#10;Descrição gerada automaticamente">
-            <a:extLst>
-              <a:ext uri="{FF2B5EF4-FFF2-40B4-BE49-F238E27FC236}">
-                <a16:creationId xmlns:a16="http://schemas.microsoft.com/office/drawing/2014/main" id="{B2EA14C9-FE2F-4385-B5FE-DE957E255B11}"/>
-              </a:ext>
-            </a:extLst>
-          </p:cNvPr>
-          <p:cNvPicPr>
-            <a:picLocks noChangeAspect="1"/>
-          </p:cNvPicPr>
-          <p:nvPr/>
-        </p:nvPicPr>
-        <p:blipFill rotWithShape="1">
-          <a:blip r:embed="rId2">
-            <a:extLst>
-              <a:ext uri="{28A0092B-C50C-407E-A947-70E740481C1C}">
-                <a14:useLocalDpi xmlns:a14="http://schemas.microsoft.com/office/drawing/2010/main" val="0"/>
-              </a:ext>
-            </a:extLst>
-          </a:blip>
-          <a:srcRect l="25386" r="50000" b="50000"/>
-          <a:stretch/>
-        </p:blipFill>
-        <p:spPr>
-          <a:xfrm>
-            <a:off x="4936978" y="73153"/>
-            <a:ext cx="2496368" cy="3212902"/>
-          </a:xfrm>
-          <a:prstGeom prst="rect">
-            <a:avLst/>
-          </a:prstGeom>
-        </p:spPr>
-      </p:pic>
-      <p:pic>
-        <p:nvPicPr>
-          <p:cNvPr id="5" name="Imagem 4" descr="Uma imagem contendo texto, mapa&#10;&#10;Descrição gerada automaticamente">
-            <a:extLst>
-              <a:ext uri="{FF2B5EF4-FFF2-40B4-BE49-F238E27FC236}">
-                <a16:creationId xmlns:a16="http://schemas.microsoft.com/office/drawing/2014/main" id="{45929F10-4F32-4DD1-B689-FB81DC17C7EC}"/>
-              </a:ext>
-            </a:extLst>
-          </p:cNvPr>
-          <p:cNvPicPr>
-            <a:picLocks noChangeAspect="1"/>
-          </p:cNvPicPr>
-          <p:nvPr/>
-        </p:nvPicPr>
-        <p:blipFill rotWithShape="1">
-          <a:blip r:embed="rId2">
-            <a:extLst>
-              <a:ext uri="{28A0092B-C50C-407E-A947-70E740481C1C}">
-                <a14:useLocalDpi xmlns:a14="http://schemas.microsoft.com/office/drawing/2010/main" val="0"/>
-              </a:ext>
-            </a:extLst>
-          </a:blip>
-          <a:srcRect l="50000" r="24429" b="50000"/>
-          <a:stretch/>
-        </p:blipFill>
-        <p:spPr>
-          <a:xfrm>
-            <a:off x="8853027" y="73153"/>
-            <a:ext cx="2480590" cy="3212902"/>
-          </a:xfrm>
-          <a:prstGeom prst="rect">
-            <a:avLst/>
-          </a:prstGeom>
-        </p:spPr>
-      </p:pic>
-      <p:pic>
-        <p:nvPicPr>
-          <p:cNvPr id="6" name="Imagem 5" descr="Uma imagem contendo texto, mapa&#10;&#10;Descrição gerada automaticamente">
-            <a:extLst>
-              <a:ext uri="{FF2B5EF4-FFF2-40B4-BE49-F238E27FC236}">
-                <a16:creationId xmlns:a16="http://schemas.microsoft.com/office/drawing/2014/main" id="{B3F092D5-34A1-4A13-B1B1-CF169633DABA}"/>
-              </a:ext>
-            </a:extLst>
-          </p:cNvPr>
-          <p:cNvPicPr>
-            <a:picLocks noChangeAspect="1"/>
-          </p:cNvPicPr>
-          <p:nvPr/>
-        </p:nvPicPr>
-        <p:blipFill rotWithShape="1">
-          <a:blip r:embed="rId2">
-            <a:extLst>
-              <a:ext uri="{28A0092B-C50C-407E-A947-70E740481C1C}">
-                <a14:useLocalDpi xmlns:a14="http://schemas.microsoft.com/office/drawing/2010/main" val="0"/>
-              </a:ext>
-            </a:extLst>
-          </a:blip>
-          <a:srcRect t="50000" r="74887"/>
-          <a:stretch/>
-        </p:blipFill>
-        <p:spPr>
-          <a:xfrm>
-            <a:off x="4936978" y="3571946"/>
-            <a:ext cx="2496368" cy="3128658"/>
-          </a:xfrm>
-          <a:prstGeom prst="rect">
-            <a:avLst/>
-          </a:prstGeom>
-        </p:spPr>
-      </p:pic>
-    </p:spTree>
-    <p:extLst>
-      <p:ext uri="{BB962C8B-B14F-4D97-AF65-F5344CB8AC3E}">
-        <p14:creationId xmlns:p14="http://schemas.microsoft.com/office/powerpoint/2010/main" val="3350438725"/>
       </p:ext>
     </p:extLst>
   </p:cSld>
@@ -4881,6 +4755,452 @@
           <a:chExt cx="0" cy="0"/>
         </a:xfrm>
       </p:grpSpPr>
+      <p:pic>
+        <p:nvPicPr>
+          <p:cNvPr id="7" name="Imagem 6" descr="Uma imagem contendo texto, mapa&#10;&#10;Descrição gerada automaticamente">
+            <a:extLst>
+              <a:ext uri="{FF2B5EF4-FFF2-40B4-BE49-F238E27FC236}">
+                <a16:creationId xmlns:a16="http://schemas.microsoft.com/office/drawing/2014/main" id="{D696794E-610E-43AF-B5DF-3601CFF21CB6}"/>
+              </a:ext>
+            </a:extLst>
+          </p:cNvPr>
+          <p:cNvPicPr>
+            <a:picLocks noChangeAspect="1"/>
+          </p:cNvPicPr>
+          <p:nvPr/>
+        </p:nvPicPr>
+        <p:blipFill rotWithShape="1">
+          <a:blip r:embed="rId2">
+            <a:extLst>
+              <a:ext uri="{28A0092B-C50C-407E-A947-70E740481C1C}">
+                <a14:useLocalDpi xmlns:a14="http://schemas.microsoft.com/office/drawing/2010/main" val="0"/>
+              </a:ext>
+            </a:extLst>
+          </a:blip>
+          <a:srcRect l="74887" b="50145"/>
+          <a:stretch/>
+        </p:blipFill>
+        <p:spPr>
+          <a:xfrm>
+            <a:off x="776315" y="3571946"/>
+            <a:ext cx="2558661" cy="3225754"/>
+          </a:xfrm>
+          <a:prstGeom prst="rect">
+            <a:avLst/>
+          </a:prstGeom>
+        </p:spPr>
+      </p:pic>
+      <p:sp>
+        <p:nvSpPr>
+          <p:cNvPr id="13" name="Rectangle 12">
+            <a:extLst>
+              <a:ext uri="{FF2B5EF4-FFF2-40B4-BE49-F238E27FC236}">
+                <a16:creationId xmlns:a16="http://schemas.microsoft.com/office/drawing/2014/main" id="{E3B4FF89-C45F-4E24-B963-61E855708F2A}"/>
+              </a:ext>
+              <a:ext uri="{C183D7F6-B498-43B3-948B-1728B52AA6E4}">
+                <adec:decorative xmlns:adec="http://schemas.microsoft.com/office/drawing/2017/decorative" val="1"/>
+              </a:ext>
+            </a:extLst>
+          </p:cNvPr>
+          <p:cNvSpPr>
+            <a:spLocks noGrp="1" noRot="1" noChangeAspect="1" noMove="1" noResize="1" noEditPoints="1" noAdjustHandles="1" noChangeArrowheads="1" noChangeShapeType="1" noTextEdit="1"/>
+          </p:cNvSpPr>
+          <p:nvPr>
+            <p:extLst>
+              <p:ext uri="{386F3935-93C4-4BCD-93E2-E3B085C9AB24}">
+                <p16:designElem xmlns:p16="http://schemas.microsoft.com/office/powerpoint/2015/main" val="1"/>
+              </p:ext>
+            </p:extLst>
+          </p:nvPr>
+        </p:nvSpPr>
+        <p:spPr>
+          <a:xfrm>
+            <a:off x="4023671" y="0"/>
+            <a:ext cx="73152" cy="6858000"/>
+          </a:xfrm>
+          <a:prstGeom prst="rect">
+            <a:avLst/>
+          </a:prstGeom>
+          <a:solidFill>
+            <a:schemeClr val="tx1">
+              <a:lumMod val="75000"/>
+              <a:lumOff val="25000"/>
+            </a:schemeClr>
+          </a:solidFill>
+          <a:ln>
+            <a:noFill/>
+          </a:ln>
+        </p:spPr>
+        <p:style>
+          <a:lnRef idx="2">
+            <a:schemeClr val="accent1">
+              <a:shade val="50000"/>
+            </a:schemeClr>
+          </a:lnRef>
+          <a:fillRef idx="1">
+            <a:schemeClr val="accent1"/>
+          </a:fillRef>
+          <a:effectRef idx="0">
+            <a:schemeClr val="accent1"/>
+          </a:effectRef>
+          <a:fontRef idx="minor">
+            <a:schemeClr val="lt1"/>
+          </a:fontRef>
+        </p:style>
+        <p:txBody>
+          <a:bodyPr rtlCol="0" anchor="ctr"/>
+          <a:lstStyle/>
+          <a:p>
+            <a:pPr algn="ctr"/>
+            <a:endParaRPr lang="en-US"/>
+          </a:p>
+        </p:txBody>
+      </p:sp>
+      <p:pic>
+        <p:nvPicPr>
+          <p:cNvPr id="8" name="Imagem 7" descr="Uma imagem contendo texto, mapa&#10;&#10;Descrição gerada automaticamente">
+            <a:extLst>
+              <a:ext uri="{FF2B5EF4-FFF2-40B4-BE49-F238E27FC236}">
+                <a16:creationId xmlns:a16="http://schemas.microsoft.com/office/drawing/2014/main" id="{707FC8A7-01C5-4093-B36A-C5D6196E8C26}"/>
+              </a:ext>
+            </a:extLst>
+          </p:cNvPr>
+          <p:cNvPicPr>
+            <a:picLocks noChangeAspect="1"/>
+          </p:cNvPicPr>
+          <p:nvPr/>
+        </p:nvPicPr>
+        <p:blipFill rotWithShape="1">
+          <a:blip r:embed="rId2">
+            <a:extLst>
+              <a:ext uri="{28A0092B-C50C-407E-A947-70E740481C1C}">
+                <a14:useLocalDpi xmlns:a14="http://schemas.microsoft.com/office/drawing/2010/main" val="0"/>
+              </a:ext>
+            </a:extLst>
+          </a:blip>
+          <a:srcRect l="25403" t="48696" r="50269" b="266"/>
+          <a:stretch/>
+        </p:blipFill>
+        <p:spPr>
+          <a:xfrm>
+            <a:off x="8853026" y="3571945"/>
+            <a:ext cx="2480591" cy="3106534"/>
+          </a:xfrm>
+          <a:prstGeom prst="rect">
+            <a:avLst/>
+          </a:prstGeom>
+        </p:spPr>
+      </p:pic>
+      <p:sp>
+        <p:nvSpPr>
+          <p:cNvPr id="15" name="Rectangle 14">
+            <a:extLst>
+              <a:ext uri="{FF2B5EF4-FFF2-40B4-BE49-F238E27FC236}">
+                <a16:creationId xmlns:a16="http://schemas.microsoft.com/office/drawing/2014/main" id="{14F25C03-EF67-4344-8AEA-7B3FA0DED024}"/>
+              </a:ext>
+              <a:ext uri="{C183D7F6-B498-43B3-948B-1728B52AA6E4}">
+                <adec:decorative xmlns:adec="http://schemas.microsoft.com/office/drawing/2017/decorative" val="1"/>
+              </a:ext>
+            </a:extLst>
+          </p:cNvPr>
+          <p:cNvSpPr>
+            <a:spLocks noGrp="1" noRot="1" noChangeAspect="1" noMove="1" noResize="1" noEditPoints="1" noAdjustHandles="1" noChangeArrowheads="1" noChangeShapeType="1" noTextEdit="1"/>
+          </p:cNvSpPr>
+          <p:nvPr>
+            <p:extLst>
+              <p:ext uri="{386F3935-93C4-4BCD-93E2-E3B085C9AB24}">
+                <p16:designElem xmlns:p16="http://schemas.microsoft.com/office/powerpoint/2015/main" val="1"/>
+              </p:ext>
+            </p:extLst>
+          </p:nvPr>
+        </p:nvSpPr>
+        <p:spPr>
+          <a:xfrm>
+            <a:off x="8107836" y="0"/>
+            <a:ext cx="73152" cy="6858000"/>
+          </a:xfrm>
+          <a:prstGeom prst="rect">
+            <a:avLst/>
+          </a:prstGeom>
+          <a:solidFill>
+            <a:schemeClr val="tx1">
+              <a:lumMod val="75000"/>
+              <a:lumOff val="25000"/>
+            </a:schemeClr>
+          </a:solidFill>
+          <a:ln>
+            <a:noFill/>
+          </a:ln>
+        </p:spPr>
+        <p:style>
+          <a:lnRef idx="2">
+            <a:schemeClr val="accent1">
+              <a:shade val="50000"/>
+            </a:schemeClr>
+          </a:lnRef>
+          <a:fillRef idx="1">
+            <a:schemeClr val="accent1"/>
+          </a:fillRef>
+          <a:effectRef idx="0">
+            <a:schemeClr val="accent1"/>
+          </a:effectRef>
+          <a:fontRef idx="minor">
+            <a:schemeClr val="lt1"/>
+          </a:fontRef>
+        </p:style>
+        <p:txBody>
+          <a:bodyPr rtlCol="0" anchor="ctr"/>
+          <a:lstStyle/>
+          <a:p>
+            <a:pPr algn="ctr"/>
+            <a:endParaRPr lang="en-US"/>
+          </a:p>
+        </p:txBody>
+      </p:sp>
+      <p:pic>
+        <p:nvPicPr>
+          <p:cNvPr id="3" name="Imagem 2" descr="Uma imagem contendo texto, mapa&#10;&#10;Descrição gerada automaticamente">
+            <a:extLst>
+              <a:ext uri="{FF2B5EF4-FFF2-40B4-BE49-F238E27FC236}">
+                <a16:creationId xmlns:a16="http://schemas.microsoft.com/office/drawing/2014/main" id="{62E34D70-BDD0-4C5E-96DE-E9B0C0A76474}"/>
+              </a:ext>
+            </a:extLst>
+          </p:cNvPr>
+          <p:cNvPicPr>
+            <a:picLocks noChangeAspect="1"/>
+          </p:cNvPicPr>
+          <p:nvPr/>
+        </p:nvPicPr>
+        <p:blipFill rotWithShape="1">
+          <a:blip r:embed="rId2">
+            <a:extLst>
+              <a:ext uri="{28A0092B-C50C-407E-A947-70E740481C1C}">
+                <a14:useLocalDpi xmlns:a14="http://schemas.microsoft.com/office/drawing/2010/main" val="0"/>
+              </a:ext>
+            </a:extLst>
+          </a:blip>
+          <a:srcRect r="74067" b="50000"/>
+          <a:stretch/>
+        </p:blipFill>
+        <p:spPr>
+          <a:xfrm>
+            <a:off x="776315" y="73153"/>
+            <a:ext cx="2558661" cy="3212902"/>
+          </a:xfrm>
+          <a:prstGeom prst="rect">
+            <a:avLst/>
+          </a:prstGeom>
+        </p:spPr>
+      </p:pic>
+      <p:sp>
+        <p:nvSpPr>
+          <p:cNvPr id="17" name="Rectangle 16">
+            <a:extLst>
+              <a:ext uri="{FF2B5EF4-FFF2-40B4-BE49-F238E27FC236}">
+                <a16:creationId xmlns:a16="http://schemas.microsoft.com/office/drawing/2014/main" id="{F74793DE-3651-410B-B243-8F0B1468E6A4}"/>
+              </a:ext>
+              <a:ext uri="{C183D7F6-B498-43B3-948B-1728B52AA6E4}">
+                <adec:decorative xmlns:adec="http://schemas.microsoft.com/office/drawing/2017/decorative" val="1"/>
+              </a:ext>
+            </a:extLst>
+          </p:cNvPr>
+          <p:cNvSpPr>
+            <a:spLocks noGrp="1" noRot="1" noChangeAspect="1" noMove="1" noResize="1" noEditPoints="1" noAdjustHandles="1" noChangeArrowheads="1" noChangeShapeType="1" noTextEdit="1"/>
+          </p:cNvSpPr>
+          <p:nvPr>
+            <p:extLst>
+              <p:ext uri="{386F3935-93C4-4BCD-93E2-E3B085C9AB24}">
+                <p16:designElem xmlns:p16="http://schemas.microsoft.com/office/powerpoint/2015/main" val="1"/>
+              </p:ext>
+            </p:extLst>
+          </p:nvPr>
+        </p:nvSpPr>
+        <p:spPr>
+          <a:xfrm rot="5400000">
+            <a:off x="6059424" y="-2665476"/>
+            <a:ext cx="73152" cy="12188952"/>
+          </a:xfrm>
+          <a:prstGeom prst="rect">
+            <a:avLst/>
+          </a:prstGeom>
+          <a:solidFill>
+            <a:schemeClr val="tx1">
+              <a:lumMod val="75000"/>
+              <a:lumOff val="25000"/>
+            </a:schemeClr>
+          </a:solidFill>
+          <a:ln>
+            <a:noFill/>
+          </a:ln>
+        </p:spPr>
+        <p:style>
+          <a:lnRef idx="2">
+            <a:schemeClr val="accent1">
+              <a:shade val="50000"/>
+            </a:schemeClr>
+          </a:lnRef>
+          <a:fillRef idx="1">
+            <a:schemeClr val="accent1"/>
+          </a:fillRef>
+          <a:effectRef idx="0">
+            <a:schemeClr val="accent1"/>
+          </a:effectRef>
+          <a:fontRef idx="minor">
+            <a:schemeClr val="lt1"/>
+          </a:fontRef>
+        </p:style>
+        <p:txBody>
+          <a:bodyPr rtlCol="0" anchor="ctr"/>
+          <a:lstStyle/>
+          <a:p>
+            <a:pPr algn="ctr"/>
+            <a:endParaRPr lang="en-US"/>
+          </a:p>
+        </p:txBody>
+      </p:sp>
+      <p:pic>
+        <p:nvPicPr>
+          <p:cNvPr id="4" name="Imagem 3" descr="Uma imagem contendo texto, mapa&#10;&#10;Descrição gerada automaticamente">
+            <a:extLst>
+              <a:ext uri="{FF2B5EF4-FFF2-40B4-BE49-F238E27FC236}">
+                <a16:creationId xmlns:a16="http://schemas.microsoft.com/office/drawing/2014/main" id="{B2EA14C9-FE2F-4385-B5FE-DE957E255B11}"/>
+              </a:ext>
+            </a:extLst>
+          </p:cNvPr>
+          <p:cNvPicPr>
+            <a:picLocks noChangeAspect="1"/>
+          </p:cNvPicPr>
+          <p:nvPr/>
+        </p:nvPicPr>
+        <p:blipFill rotWithShape="1">
+          <a:blip r:embed="rId2">
+            <a:extLst>
+              <a:ext uri="{28A0092B-C50C-407E-A947-70E740481C1C}">
+                <a14:useLocalDpi xmlns:a14="http://schemas.microsoft.com/office/drawing/2010/main" val="0"/>
+              </a:ext>
+            </a:extLst>
+          </a:blip>
+          <a:srcRect l="25386" r="50000" b="50000"/>
+          <a:stretch/>
+        </p:blipFill>
+        <p:spPr>
+          <a:xfrm>
+            <a:off x="4936978" y="73153"/>
+            <a:ext cx="2496368" cy="3212902"/>
+          </a:xfrm>
+          <a:prstGeom prst="rect">
+            <a:avLst/>
+          </a:prstGeom>
+        </p:spPr>
+      </p:pic>
+      <p:pic>
+        <p:nvPicPr>
+          <p:cNvPr id="5" name="Imagem 4" descr="Uma imagem contendo texto, mapa&#10;&#10;Descrição gerada automaticamente">
+            <a:extLst>
+              <a:ext uri="{FF2B5EF4-FFF2-40B4-BE49-F238E27FC236}">
+                <a16:creationId xmlns:a16="http://schemas.microsoft.com/office/drawing/2014/main" id="{45929F10-4F32-4DD1-B689-FB81DC17C7EC}"/>
+              </a:ext>
+            </a:extLst>
+          </p:cNvPr>
+          <p:cNvPicPr>
+            <a:picLocks noChangeAspect="1"/>
+          </p:cNvPicPr>
+          <p:nvPr/>
+        </p:nvPicPr>
+        <p:blipFill rotWithShape="1">
+          <a:blip r:embed="rId2">
+            <a:extLst>
+              <a:ext uri="{28A0092B-C50C-407E-A947-70E740481C1C}">
+                <a14:useLocalDpi xmlns:a14="http://schemas.microsoft.com/office/drawing/2010/main" val="0"/>
+              </a:ext>
+            </a:extLst>
+          </a:blip>
+          <a:srcRect l="50000" r="24429" b="50000"/>
+          <a:stretch/>
+        </p:blipFill>
+        <p:spPr>
+          <a:xfrm>
+            <a:off x="8853027" y="73153"/>
+            <a:ext cx="2480590" cy="3212902"/>
+          </a:xfrm>
+          <a:prstGeom prst="rect">
+            <a:avLst/>
+          </a:prstGeom>
+        </p:spPr>
+      </p:pic>
+      <p:pic>
+        <p:nvPicPr>
+          <p:cNvPr id="6" name="Imagem 5" descr="Uma imagem contendo texto, mapa&#10;&#10;Descrição gerada automaticamente">
+            <a:extLst>
+              <a:ext uri="{FF2B5EF4-FFF2-40B4-BE49-F238E27FC236}">
+                <a16:creationId xmlns:a16="http://schemas.microsoft.com/office/drawing/2014/main" id="{B3F092D5-34A1-4A13-B1B1-CF169633DABA}"/>
+              </a:ext>
+            </a:extLst>
+          </p:cNvPr>
+          <p:cNvPicPr>
+            <a:picLocks noChangeAspect="1"/>
+          </p:cNvPicPr>
+          <p:nvPr/>
+        </p:nvPicPr>
+        <p:blipFill rotWithShape="1">
+          <a:blip r:embed="rId2">
+            <a:extLst>
+              <a:ext uri="{28A0092B-C50C-407E-A947-70E740481C1C}">
+                <a14:useLocalDpi xmlns:a14="http://schemas.microsoft.com/office/drawing/2010/main" val="0"/>
+              </a:ext>
+            </a:extLst>
+          </a:blip>
+          <a:srcRect t="50000" r="74887"/>
+          <a:stretch/>
+        </p:blipFill>
+        <p:spPr>
+          <a:xfrm>
+            <a:off x="4936978" y="3571946"/>
+            <a:ext cx="2496368" cy="3128658"/>
+          </a:xfrm>
+          <a:prstGeom prst="rect">
+            <a:avLst/>
+          </a:prstGeom>
+        </p:spPr>
+      </p:pic>
+    </p:spTree>
+    <p:extLst>
+      <p:ext uri="{BB962C8B-B14F-4D97-AF65-F5344CB8AC3E}">
+        <p14:creationId xmlns:p14="http://schemas.microsoft.com/office/powerpoint/2010/main" val="3350438725"/>
+      </p:ext>
+    </p:extLst>
+  </p:cSld>
+  <p:clrMapOvr>
+    <a:masterClrMapping/>
+  </p:clrMapOvr>
+</p:sld>
+</file>
+
+<file path=ppt/slides/slide5.xml><?xml version="1.0" encoding="utf-8"?>
+<p:sld xmlns:a="http://schemas.openxmlformats.org/drawingml/2006/main" xmlns:r="http://schemas.openxmlformats.org/officeDocument/2006/relationships" xmlns:p="http://schemas.openxmlformats.org/presentationml/2006/main">
+  <p:cSld>
+    <p:bg>
+      <p:bgPr>
+        <a:solidFill>
+          <a:schemeClr val="bg1"/>
+        </a:solidFill>
+        <a:effectLst/>
+      </p:bgPr>
+    </p:bg>
+    <p:spTree>
+      <p:nvGrpSpPr>
+        <p:cNvPr id="1" name=""/>
+        <p:cNvGrpSpPr/>
+        <p:nvPr/>
+      </p:nvGrpSpPr>
+      <p:grpSpPr>
+        <a:xfrm>
+          <a:off x="0" y="0"/>
+          <a:ext cx="0" cy="0"/>
+          <a:chOff x="0" y="0"/>
+          <a:chExt cx="0" cy="0"/>
+        </a:xfrm>
+      </p:grpSpPr>
       <p:sp>
         <p:nvSpPr>
           <p:cNvPr id="28" name="Rectangle 21">
@@ -5199,7 +5519,7 @@
 </p:sld>
 </file>
 
-<file path=ppt/slides/slide5.xml><?xml version="1.0" encoding="utf-8"?>
+<file path=ppt/slides/slide6.xml><?xml version="1.0" encoding="utf-8"?>
 <p:sld xmlns:a="http://schemas.openxmlformats.org/drawingml/2006/main" xmlns:r="http://schemas.openxmlformats.org/officeDocument/2006/relationships" xmlns:p="http://schemas.openxmlformats.org/presentationml/2006/main">
   <p:cSld>
     <p:spTree>
@@ -5256,460 +5576,6 @@
     <p:extLst>
       <p:ext uri="{BB962C8B-B14F-4D97-AF65-F5344CB8AC3E}">
         <p14:creationId xmlns:p14="http://schemas.microsoft.com/office/powerpoint/2010/main" val="40367406"/>
-      </p:ext>
-    </p:extLst>
-  </p:cSld>
-  <p:clrMapOvr>
-    <a:masterClrMapping/>
-  </p:clrMapOvr>
-</p:sld>
-</file>
-
-<file path=ppt/slides/slide6.xml><?xml version="1.0" encoding="utf-8"?>
-<p:sld xmlns:a="http://schemas.openxmlformats.org/drawingml/2006/main" xmlns:r="http://schemas.openxmlformats.org/officeDocument/2006/relationships" xmlns:p="http://schemas.openxmlformats.org/presentationml/2006/main">
-  <p:cSld>
-    <p:spTree>
-      <p:nvGrpSpPr>
-        <p:cNvPr id="1" name=""/>
-        <p:cNvGrpSpPr/>
-        <p:nvPr/>
-      </p:nvGrpSpPr>
-      <p:grpSpPr>
-        <a:xfrm>
-          <a:off x="0" y="0"/>
-          <a:ext cx="0" cy="0"/>
-          <a:chOff x="0" y="0"/>
-          <a:chExt cx="0" cy="0"/>
-        </a:xfrm>
-      </p:grpSpPr>
-      <p:sp>
-        <p:nvSpPr>
-          <p:cNvPr id="2" name="Título 1">
-            <a:extLst>
-              <a:ext uri="{FF2B5EF4-FFF2-40B4-BE49-F238E27FC236}">
-                <a16:creationId xmlns:a16="http://schemas.microsoft.com/office/drawing/2014/main" id="{77359F12-3BAD-404F-91B0-F5331DC3BBD2}"/>
-              </a:ext>
-            </a:extLst>
-          </p:cNvPr>
-          <p:cNvSpPr>
-            <a:spLocks noGrp="1"/>
-          </p:cNvSpPr>
-          <p:nvPr>
-            <p:ph type="title"/>
-          </p:nvPr>
-        </p:nvSpPr>
-        <p:spPr>
-          <a:xfrm>
-            <a:off x="838200" y="365125"/>
-            <a:ext cx="10515600" cy="986597"/>
-          </a:xfrm>
-        </p:spPr>
-        <p:txBody>
-          <a:bodyPr>
-            <a:normAutofit fontScale="90000"/>
-          </a:bodyPr>
-          <a:lstStyle/>
-          <a:p>
-            <a:r>
-              <a:rPr lang="pt-BR" sz="3700" b="1" dirty="0" err="1">
-                <a:solidFill>
-                  <a:srgbClr val="00B0F0"/>
-                </a:solidFill>
-                <a:latin typeface="Exo 2" panose="00000500000000000000" pitchFamily="50" charset="0"/>
-              </a:rPr>
-              <a:t>User</a:t>
-            </a:r>
-            <a:r>
-              <a:rPr lang="pt-BR" sz="3700" b="1" dirty="0">
-                <a:solidFill>
-                  <a:srgbClr val="00B0F0"/>
-                </a:solidFill>
-                <a:latin typeface="Exo 2" panose="00000500000000000000" pitchFamily="50" charset="0"/>
-              </a:rPr>
-              <a:t> Stories #1</a:t>
-            </a:r>
-            <a:br>
-              <a:rPr lang="pt-BR" dirty="0"/>
-            </a:br>
-            <a:endParaRPr lang="pt-BR" dirty="0"/>
-          </a:p>
-        </p:txBody>
-      </p:sp>
-      <p:sp>
-        <p:nvSpPr>
-          <p:cNvPr id="3" name="Espaço Reservado para Conteúdo 2">
-            <a:extLst>
-              <a:ext uri="{FF2B5EF4-FFF2-40B4-BE49-F238E27FC236}">
-                <a16:creationId xmlns:a16="http://schemas.microsoft.com/office/drawing/2014/main" id="{DDD43297-2D2C-41A1-81AC-C6A525CCE3CB}"/>
-              </a:ext>
-            </a:extLst>
-          </p:cNvPr>
-          <p:cNvSpPr>
-            <a:spLocks noGrp="1"/>
-          </p:cNvSpPr>
-          <p:nvPr>
-            <p:ph idx="1"/>
-          </p:nvPr>
-        </p:nvSpPr>
-        <p:spPr>
-          <a:xfrm>
-            <a:off x="838200" y="1229278"/>
-            <a:ext cx="10515600" cy="1911487"/>
-          </a:xfrm>
-        </p:spPr>
-        <p:txBody>
-          <a:bodyPr>
-            <a:normAutofit/>
-          </a:bodyPr>
-          <a:lstStyle/>
-          <a:p>
-            <a:endParaRPr lang="pt-BR" dirty="0"/>
-          </a:p>
-          <a:p>
-            <a:pPr marL="0" indent="0" algn="ctr">
-              <a:buNone/>
-            </a:pPr>
-            <a:r>
-              <a:rPr lang="pt-BR" sz="3000" dirty="0">
-                <a:latin typeface="Exo 2" panose="00000500000000000000" pitchFamily="50" charset="0"/>
-              </a:rPr>
-              <a:t>Enquanto </a:t>
-            </a:r>
-            <a:r>
-              <a:rPr lang="pt-BR" sz="3000" dirty="0">
-                <a:solidFill>
-                  <a:srgbClr val="FF0066"/>
-                </a:solidFill>
-                <a:latin typeface="Exo 2" panose="00000500000000000000" pitchFamily="50" charset="0"/>
-              </a:rPr>
-              <a:t>gerente de infraestrutura</a:t>
-            </a:r>
-            <a:r>
-              <a:rPr lang="pt-BR" sz="3000" dirty="0">
-                <a:latin typeface="Exo 2" panose="00000500000000000000" pitchFamily="50" charset="0"/>
-              </a:rPr>
-              <a:t> do prédio, preciso me assegurar acerca da segurança dos funcionários e das informações </a:t>
-            </a:r>
-          </a:p>
-          <a:p>
-            <a:endParaRPr lang="pt-BR" dirty="0"/>
-          </a:p>
-        </p:txBody>
-      </p:sp>
-      <p:sp>
-        <p:nvSpPr>
-          <p:cNvPr id="4" name="Título 1">
-            <a:extLst>
-              <a:ext uri="{FF2B5EF4-FFF2-40B4-BE49-F238E27FC236}">
-                <a16:creationId xmlns:a16="http://schemas.microsoft.com/office/drawing/2014/main" id="{36EE56E1-007A-45A7-82AA-52FA178D141B}"/>
-              </a:ext>
-            </a:extLst>
-          </p:cNvPr>
-          <p:cNvSpPr txBox="1">
-            <a:spLocks/>
-          </p:cNvSpPr>
-          <p:nvPr/>
-        </p:nvSpPr>
-        <p:spPr>
-          <a:xfrm>
-            <a:off x="838200" y="3429000"/>
-            <a:ext cx="10515600" cy="986597"/>
-          </a:xfrm>
-          <a:prstGeom prst="rect">
-            <a:avLst/>
-          </a:prstGeom>
-        </p:spPr>
-        <p:txBody>
-          <a:bodyPr vert="horz" lIns="91440" tIns="45720" rIns="91440" bIns="45720" rtlCol="0" anchor="ctr">
-            <a:normAutofit fontScale="92500" lnSpcReduction="20000"/>
-          </a:bodyPr>
-          <a:lstStyle>
-            <a:lvl1pPr algn="l" defTabSz="914400" rtl="0" eaLnBrk="1" latinLnBrk="0" hangingPunct="1">
-              <a:lnSpc>
-                <a:spcPct val="90000"/>
-              </a:lnSpc>
-              <a:spcBef>
-                <a:spcPct val="0"/>
-              </a:spcBef>
-              <a:buNone/>
-              <a:defRPr sz="4400" kern="1200">
-                <a:solidFill>
-                  <a:schemeClr val="tx1"/>
-                </a:solidFill>
-                <a:latin typeface="+mj-lt"/>
-                <a:ea typeface="+mj-ea"/>
-                <a:cs typeface="+mj-cs"/>
-              </a:defRPr>
-            </a:lvl1pPr>
-          </a:lstStyle>
-          <a:p>
-            <a:r>
-              <a:rPr lang="pt-BR" sz="3600" b="1" dirty="0" err="1">
-                <a:solidFill>
-                  <a:srgbClr val="00B0F0"/>
-                </a:solidFill>
-                <a:latin typeface="Exo 2" panose="00000500000000000000" pitchFamily="50" charset="0"/>
-              </a:rPr>
-              <a:t>User</a:t>
-            </a:r>
-            <a:r>
-              <a:rPr lang="pt-BR" sz="3600" b="1" dirty="0">
-                <a:solidFill>
-                  <a:srgbClr val="00B0F0"/>
-                </a:solidFill>
-                <a:latin typeface="Exo 2" panose="00000500000000000000" pitchFamily="50" charset="0"/>
-              </a:rPr>
-              <a:t> </a:t>
-            </a:r>
-            <a:r>
-              <a:rPr lang="pt-BR" sz="3600" b="1">
-                <a:solidFill>
-                  <a:srgbClr val="00B0F0"/>
-                </a:solidFill>
-                <a:latin typeface="Exo 2" panose="00000500000000000000" pitchFamily="50" charset="0"/>
-              </a:rPr>
-              <a:t>Stories #2</a:t>
-            </a:r>
-            <a:br>
-              <a:rPr lang="pt-BR" dirty="0"/>
-            </a:br>
-            <a:endParaRPr lang="pt-BR" dirty="0"/>
-          </a:p>
-        </p:txBody>
-      </p:sp>
-      <p:sp>
-        <p:nvSpPr>
-          <p:cNvPr id="5" name="Espaço Reservado para Conteúdo 2">
-            <a:extLst>
-              <a:ext uri="{FF2B5EF4-FFF2-40B4-BE49-F238E27FC236}">
-                <a16:creationId xmlns:a16="http://schemas.microsoft.com/office/drawing/2014/main" id="{052B6FE0-7A8F-42A3-AEBA-8CCB7DD84248}"/>
-              </a:ext>
-            </a:extLst>
-          </p:cNvPr>
-          <p:cNvSpPr txBox="1">
-            <a:spLocks/>
-          </p:cNvSpPr>
-          <p:nvPr/>
-        </p:nvSpPr>
-        <p:spPr>
-          <a:xfrm>
-            <a:off x="838200" y="3882886"/>
-            <a:ext cx="10515600" cy="2491409"/>
-          </a:xfrm>
-          <a:prstGeom prst="rect">
-            <a:avLst/>
-          </a:prstGeom>
-        </p:spPr>
-        <p:txBody>
-          <a:bodyPr vert="horz" lIns="91440" tIns="45720" rIns="91440" bIns="45720" rtlCol="0">
-            <a:normAutofit fontScale="92500" lnSpcReduction="20000"/>
-          </a:bodyPr>
-          <a:lstStyle>
-            <a:lvl1pPr marL="228600" indent="-228600" algn="l" defTabSz="914400" rtl="0" eaLnBrk="1" latinLnBrk="0" hangingPunct="1">
-              <a:lnSpc>
-                <a:spcPct val="90000"/>
-              </a:lnSpc>
-              <a:spcBef>
-                <a:spcPts val="1000"/>
-              </a:spcBef>
-              <a:buFont typeface="Arial" panose="020B0604020202020204" pitchFamily="34" charset="0"/>
-              <a:buChar char="•"/>
-              <a:defRPr sz="2800" kern="1200">
-                <a:solidFill>
-                  <a:schemeClr val="tx1"/>
-                </a:solidFill>
-                <a:latin typeface="+mn-lt"/>
-                <a:ea typeface="+mn-ea"/>
-                <a:cs typeface="+mn-cs"/>
-              </a:defRPr>
-            </a:lvl1pPr>
-            <a:lvl2pPr marL="685800" indent="-228600" algn="l" defTabSz="914400" rtl="0" eaLnBrk="1" latinLnBrk="0" hangingPunct="1">
-              <a:lnSpc>
-                <a:spcPct val="90000"/>
-              </a:lnSpc>
-              <a:spcBef>
-                <a:spcPts val="500"/>
-              </a:spcBef>
-              <a:buFont typeface="Arial" panose="020B0604020202020204" pitchFamily="34" charset="0"/>
-              <a:buChar char="•"/>
-              <a:defRPr sz="2400" kern="1200">
-                <a:solidFill>
-                  <a:schemeClr val="tx1"/>
-                </a:solidFill>
-                <a:latin typeface="+mn-lt"/>
-                <a:ea typeface="+mn-ea"/>
-                <a:cs typeface="+mn-cs"/>
-              </a:defRPr>
-            </a:lvl2pPr>
-            <a:lvl3pPr marL="1143000" indent="-228600" algn="l" defTabSz="914400" rtl="0" eaLnBrk="1" latinLnBrk="0" hangingPunct="1">
-              <a:lnSpc>
-                <a:spcPct val="90000"/>
-              </a:lnSpc>
-              <a:spcBef>
-                <a:spcPts val="500"/>
-              </a:spcBef>
-              <a:buFont typeface="Arial" panose="020B0604020202020204" pitchFamily="34" charset="0"/>
-              <a:buChar char="•"/>
-              <a:defRPr sz="2000" kern="1200">
-                <a:solidFill>
-                  <a:schemeClr val="tx1"/>
-                </a:solidFill>
-                <a:latin typeface="+mn-lt"/>
-                <a:ea typeface="+mn-ea"/>
-                <a:cs typeface="+mn-cs"/>
-              </a:defRPr>
-            </a:lvl3pPr>
-            <a:lvl4pPr marL="1600200" indent="-228600" algn="l" defTabSz="914400" rtl="0" eaLnBrk="1" latinLnBrk="0" hangingPunct="1">
-              <a:lnSpc>
-                <a:spcPct val="90000"/>
-              </a:lnSpc>
-              <a:spcBef>
-                <a:spcPts val="500"/>
-              </a:spcBef>
-              <a:buFont typeface="Arial" panose="020B0604020202020204" pitchFamily="34" charset="0"/>
-              <a:buChar char="•"/>
-              <a:defRPr sz="1800" kern="1200">
-                <a:solidFill>
-                  <a:schemeClr val="tx1"/>
-                </a:solidFill>
-                <a:latin typeface="+mn-lt"/>
-                <a:ea typeface="+mn-ea"/>
-                <a:cs typeface="+mn-cs"/>
-              </a:defRPr>
-            </a:lvl4pPr>
-            <a:lvl5pPr marL="2057400" indent="-228600" algn="l" defTabSz="914400" rtl="0" eaLnBrk="1" latinLnBrk="0" hangingPunct="1">
-              <a:lnSpc>
-                <a:spcPct val="90000"/>
-              </a:lnSpc>
-              <a:spcBef>
-                <a:spcPts val="500"/>
-              </a:spcBef>
-              <a:buFont typeface="Arial" panose="020B0604020202020204" pitchFamily="34" charset="0"/>
-              <a:buChar char="•"/>
-              <a:defRPr sz="1800" kern="1200">
-                <a:solidFill>
-                  <a:schemeClr val="tx1"/>
-                </a:solidFill>
-                <a:latin typeface="+mn-lt"/>
-                <a:ea typeface="+mn-ea"/>
-                <a:cs typeface="+mn-cs"/>
-              </a:defRPr>
-            </a:lvl5pPr>
-            <a:lvl6pPr marL="2514600" indent="-228600" algn="l" defTabSz="914400" rtl="0" eaLnBrk="1" latinLnBrk="0" hangingPunct="1">
-              <a:lnSpc>
-                <a:spcPct val="90000"/>
-              </a:lnSpc>
-              <a:spcBef>
-                <a:spcPts val="500"/>
-              </a:spcBef>
-              <a:buFont typeface="Arial" panose="020B0604020202020204" pitchFamily="34" charset="0"/>
-              <a:buChar char="•"/>
-              <a:defRPr sz="1800" kern="1200">
-                <a:solidFill>
-                  <a:schemeClr val="tx1"/>
-                </a:solidFill>
-                <a:latin typeface="+mn-lt"/>
-                <a:ea typeface="+mn-ea"/>
-                <a:cs typeface="+mn-cs"/>
-              </a:defRPr>
-            </a:lvl6pPr>
-            <a:lvl7pPr marL="2971800" indent="-228600" algn="l" defTabSz="914400" rtl="0" eaLnBrk="1" latinLnBrk="0" hangingPunct="1">
-              <a:lnSpc>
-                <a:spcPct val="90000"/>
-              </a:lnSpc>
-              <a:spcBef>
-                <a:spcPts val="500"/>
-              </a:spcBef>
-              <a:buFont typeface="Arial" panose="020B0604020202020204" pitchFamily="34" charset="0"/>
-              <a:buChar char="•"/>
-              <a:defRPr sz="1800" kern="1200">
-                <a:solidFill>
-                  <a:schemeClr val="tx1"/>
-                </a:solidFill>
-                <a:latin typeface="+mn-lt"/>
-                <a:ea typeface="+mn-ea"/>
-                <a:cs typeface="+mn-cs"/>
-              </a:defRPr>
-            </a:lvl7pPr>
-            <a:lvl8pPr marL="3429000" indent="-228600" algn="l" defTabSz="914400" rtl="0" eaLnBrk="1" latinLnBrk="0" hangingPunct="1">
-              <a:lnSpc>
-                <a:spcPct val="90000"/>
-              </a:lnSpc>
-              <a:spcBef>
-                <a:spcPts val="500"/>
-              </a:spcBef>
-              <a:buFont typeface="Arial" panose="020B0604020202020204" pitchFamily="34" charset="0"/>
-              <a:buChar char="•"/>
-              <a:defRPr sz="1800" kern="1200">
-                <a:solidFill>
-                  <a:schemeClr val="tx1"/>
-                </a:solidFill>
-                <a:latin typeface="+mn-lt"/>
-                <a:ea typeface="+mn-ea"/>
-                <a:cs typeface="+mn-cs"/>
-              </a:defRPr>
-            </a:lvl8pPr>
-            <a:lvl9pPr marL="3886200" indent="-228600" algn="l" defTabSz="914400" rtl="0" eaLnBrk="1" latinLnBrk="0" hangingPunct="1">
-              <a:lnSpc>
-                <a:spcPct val="90000"/>
-              </a:lnSpc>
-              <a:spcBef>
-                <a:spcPts val="500"/>
-              </a:spcBef>
-              <a:buFont typeface="Arial" panose="020B0604020202020204" pitchFamily="34" charset="0"/>
-              <a:buChar char="•"/>
-              <a:defRPr sz="1800" kern="1200">
-                <a:solidFill>
-                  <a:schemeClr val="tx1"/>
-                </a:solidFill>
-                <a:latin typeface="+mn-lt"/>
-                <a:ea typeface="+mn-ea"/>
-                <a:cs typeface="+mn-cs"/>
-              </a:defRPr>
-            </a:lvl9pPr>
-          </a:lstStyle>
-          <a:p>
-            <a:endParaRPr lang="pt-BR" dirty="0"/>
-          </a:p>
-          <a:p>
-            <a:endParaRPr lang="pt-BR" sz="3200" dirty="0"/>
-          </a:p>
-          <a:p>
-            <a:pPr marL="0" indent="0" algn="ctr">
-              <a:buFont typeface="Arial" panose="020B0604020202020204" pitchFamily="34" charset="0"/>
-              <a:buNone/>
-            </a:pPr>
-            <a:r>
-              <a:rPr lang="pt-BR" sz="3500" dirty="0">
-                <a:latin typeface="Exo 2" panose="00000500000000000000" pitchFamily="50" charset="0"/>
-              </a:rPr>
-              <a:t>Eu, enquanto </a:t>
-            </a:r>
-            <a:r>
-              <a:rPr lang="pt-BR" sz="3500" dirty="0">
-                <a:solidFill>
-                  <a:srgbClr val="FF0066"/>
-                </a:solidFill>
-                <a:latin typeface="Exo 2" panose="00000500000000000000" pitchFamily="50" charset="0"/>
-              </a:rPr>
-              <a:t>dono de uma empresa de TI</a:t>
-            </a:r>
-            <a:r>
-              <a:rPr lang="pt-BR" sz="3500" dirty="0">
-                <a:latin typeface="Exo 2" panose="00000500000000000000" pitchFamily="50" charset="0"/>
-              </a:rPr>
-              <a:t>, preciso assegurar a continuidade das operações da minha empresa e o sigilo de dados porque tenho obrigações legais, fiscais e segredos de negócio. </a:t>
-            </a:r>
-          </a:p>
-          <a:p>
-            <a:endParaRPr lang="pt-BR" dirty="0"/>
-          </a:p>
-        </p:txBody>
-      </p:sp>
-    </p:spTree>
-    <p:extLst>
-      <p:ext uri="{BB962C8B-B14F-4D97-AF65-F5344CB8AC3E}">
-        <p14:creationId xmlns:p14="http://schemas.microsoft.com/office/powerpoint/2010/main" val="3147821839"/>
       </p:ext>
     </p:extLst>
   </p:cSld>
@@ -5752,13 +5618,20 @@
             <p:ph type="title"/>
           </p:nvPr>
         </p:nvSpPr>
-        <p:spPr/>
-        <p:txBody>
-          <a:bodyPr/>
+        <p:spPr>
+          <a:xfrm>
+            <a:off x="838200" y="365125"/>
+            <a:ext cx="10515600" cy="986597"/>
+          </a:xfrm>
+        </p:spPr>
+        <p:txBody>
+          <a:bodyPr>
+            <a:normAutofit fontScale="90000"/>
+          </a:bodyPr>
           <a:lstStyle/>
           <a:p>
             <a:r>
-              <a:rPr lang="pt-BR" sz="3300" b="1" dirty="0" err="1">
+              <a:rPr lang="pt-BR" sz="3700" b="1" dirty="0" err="1">
                 <a:solidFill>
                   <a:srgbClr val="00B0F0"/>
                 </a:solidFill>
@@ -5767,31 +5640,13 @@
               <a:t>User</a:t>
             </a:r>
             <a:r>
-              <a:rPr lang="pt-BR" sz="3300" b="1" dirty="0">
+              <a:rPr lang="pt-BR" sz="3700" b="1" dirty="0">
                 <a:solidFill>
                   <a:srgbClr val="00B0F0"/>
                 </a:solidFill>
                 <a:latin typeface="Exo 2" panose="00000500000000000000" pitchFamily="50" charset="0"/>
               </a:rPr>
-              <a:t> Stories </a:t>
-            </a:r>
-            <a:r>
-              <a:rPr lang="pt-BR" sz="3600" b="1" dirty="0">
-                <a:solidFill>
-                  <a:srgbClr val="00B0F0"/>
-                </a:solidFill>
-                <a:latin typeface="Exo 2" panose="00000500000000000000" pitchFamily="50" charset="0"/>
-              </a:rPr>
-              <a:t>#</a:t>
-            </a:r>
-            <a:r>
-              <a:rPr lang="pt-BR" sz="3300" b="1" dirty="0">
-                <a:solidFill>
-                  <a:srgbClr val="00B0F0"/>
-                </a:solidFill>
-                <a:latin typeface="Exo 2" panose="00000500000000000000" pitchFamily="50" charset="0"/>
-              </a:rPr>
-              <a:t>3</a:t>
+              <a:t> Stories #1</a:t>
             </a:r>
             <a:br>
               <a:rPr lang="pt-BR" dirty="0"/>
@@ -5818,46 +5673,46 @@
         </p:nvSpPr>
         <p:spPr>
           <a:xfrm>
-            <a:off x="838200" y="993912"/>
-            <a:ext cx="10515600" cy="2080592"/>
+            <a:off x="838200" y="1229278"/>
+            <a:ext cx="10515600" cy="1911487"/>
           </a:xfrm>
         </p:spPr>
         <p:txBody>
           <a:bodyPr>
-            <a:normAutofit fontScale="70000" lnSpcReduction="20000"/>
+            <a:normAutofit/>
           </a:bodyPr>
           <a:lstStyle/>
           <a:p>
             <a:endParaRPr lang="pt-BR" dirty="0"/>
-          </a:p>
-          <a:p>
-            <a:endParaRPr lang="pt-BR" sz="3200" dirty="0"/>
           </a:p>
           <a:p>
             <a:pPr marL="0" indent="0" algn="ctr">
               <a:buNone/>
             </a:pPr>
             <a:r>
-              <a:rPr lang="pt-BR" sz="4300" dirty="0">
+              <a:rPr lang="pt-BR" sz="3000" dirty="0">
                 <a:latin typeface="Exo 2" panose="00000500000000000000" pitchFamily="50" charset="0"/>
               </a:rPr>
-              <a:t>Eu, enquanto funcionário</a:t>
-            </a:r>
-            <a:r>
-              <a:rPr lang="pt-BR" sz="4300" dirty="0">
+              <a:t>Enquanto </a:t>
+            </a:r>
+            <a:r>
+              <a:rPr lang="pt-BR" sz="3000" dirty="0">
                 <a:solidFill>
                   <a:srgbClr val="FF0066"/>
                 </a:solidFill>
                 <a:latin typeface="Exo 2" panose="00000500000000000000" pitchFamily="50" charset="0"/>
               </a:rPr>
-              <a:t> analista de dados </a:t>
-            </a:r>
-            <a:r>
-              <a:rPr lang="pt-BR" sz="4300" dirty="0">
+              <a:t>gerente de infraestrutura</a:t>
+            </a:r>
+            <a:r>
+              <a:rPr lang="pt-BR" sz="3000" dirty="0">
                 <a:latin typeface="Exo 2" panose="00000500000000000000" pitchFamily="50" charset="0"/>
               </a:rPr>
-              <a:t>, preciso de um sistema versátil e fácil de utilizar para economizar tempo ao fazer as buscas e visualizar as informações de forma mais rápida</a:t>
-            </a:r>
+              <a:t> do prédio, preciso me assegurar acerca da segurança dos funcionários e das informações </a:t>
+            </a:r>
+          </a:p>
+          <a:p>
+            <a:endParaRPr lang="pt-BR" dirty="0"/>
           </a:p>
         </p:txBody>
       </p:sp>
@@ -5866,7 +5721,7 @@
           <p:cNvPr id="4" name="Título 1">
             <a:extLst>
               <a:ext uri="{FF2B5EF4-FFF2-40B4-BE49-F238E27FC236}">
-                <a16:creationId xmlns:a16="http://schemas.microsoft.com/office/drawing/2014/main" id="{90F18D31-A005-498C-90D4-46C7EAD34FF8}"/>
+                <a16:creationId xmlns:a16="http://schemas.microsoft.com/office/drawing/2014/main" id="{36EE56E1-007A-45A7-82AA-52FA178D141B}"/>
               </a:ext>
             </a:extLst>
           </p:cNvPr>
@@ -5877,8 +5732,8 @@
         </p:nvSpPr>
         <p:spPr>
           <a:xfrm>
-            <a:off x="838200" y="3196362"/>
-            <a:ext cx="10515600" cy="1325563"/>
+            <a:off x="838200" y="3429000"/>
+            <a:ext cx="10515600" cy="986597"/>
           </a:xfrm>
           <a:prstGeom prst="rect">
             <a:avLst/>
@@ -5886,7 +5741,7 @@
         </p:spPr>
         <p:txBody>
           <a:bodyPr vert="horz" lIns="91440" tIns="45720" rIns="91440" bIns="45720" rtlCol="0" anchor="ctr">
-            <a:normAutofit/>
+            <a:normAutofit fontScale="92500" lnSpcReduction="20000"/>
           </a:bodyPr>
           <a:lstStyle>
             <a:lvl1pPr algn="l" defTabSz="914400" rtl="0" eaLnBrk="1" latinLnBrk="0" hangingPunct="1">
@@ -5909,7 +5764,7 @@
           </a:lstStyle>
           <a:p>
             <a:r>
-              <a:rPr lang="pt-BR" sz="3300" b="1" dirty="0" err="1">
+              <a:rPr lang="pt-BR" sz="3600" b="1" dirty="0" err="1">
                 <a:solidFill>
                   <a:srgbClr val="00B0F0"/>
                 </a:solidFill>
@@ -5918,31 +5773,22 @@
               <a:t>User</a:t>
             </a:r>
             <a:r>
-              <a:rPr lang="pt-BR" sz="3300" b="1" dirty="0">
+              <a:rPr lang="pt-BR" sz="3600" b="1" dirty="0">
                 <a:solidFill>
                   <a:srgbClr val="00B0F0"/>
                 </a:solidFill>
                 <a:latin typeface="Exo 2" panose="00000500000000000000" pitchFamily="50" charset="0"/>
               </a:rPr>
-              <a:t> Stories </a:t>
-            </a:r>
-            <a:r>
-              <a:rPr lang="pt-BR" sz="3600" b="1" dirty="0">
+              <a:t> </a:t>
+            </a:r>
+            <a:r>
+              <a:rPr lang="pt-BR" sz="3600" b="1">
                 <a:solidFill>
                   <a:srgbClr val="00B0F0"/>
                 </a:solidFill>
                 <a:latin typeface="Exo 2" panose="00000500000000000000" pitchFamily="50" charset="0"/>
               </a:rPr>
-              <a:t>#</a:t>
-            </a:r>
-            <a:r>
-              <a:rPr lang="pt-BR" sz="3300" b="1" dirty="0">
-                <a:solidFill>
-                  <a:srgbClr val="00B0F0"/>
-                </a:solidFill>
-                <a:latin typeface="Exo 2" panose="00000500000000000000" pitchFamily="50" charset="0"/>
-              </a:rPr>
-              <a:t>4</a:t>
+              <a:t>Stories #2</a:t>
             </a:r>
             <a:br>
               <a:rPr lang="pt-BR" dirty="0"/>
@@ -5956,7 +5802,7 @@
           <p:cNvPr id="5" name="Espaço Reservado para Conteúdo 2">
             <a:extLst>
               <a:ext uri="{FF2B5EF4-FFF2-40B4-BE49-F238E27FC236}">
-                <a16:creationId xmlns:a16="http://schemas.microsoft.com/office/drawing/2014/main" id="{F4AE2166-70CB-4B72-8389-25B766E5B541}"/>
+                <a16:creationId xmlns:a16="http://schemas.microsoft.com/office/drawing/2014/main" id="{052B6FE0-7A8F-42A3-AEBA-8CCB7DD84248}"/>
               </a:ext>
             </a:extLst>
           </p:cNvPr>
@@ -5967,8 +5813,8 @@
         </p:nvSpPr>
         <p:spPr>
           <a:xfrm>
-            <a:off x="838200" y="3803374"/>
-            <a:ext cx="10515600" cy="2464904"/>
+            <a:off x="838200" y="3882886"/>
+            <a:ext cx="10515600" cy="2491409"/>
           </a:xfrm>
           <a:prstGeom prst="rect">
             <a:avLst/>
@@ -6154,33 +6000,36 @@
               <a:buNone/>
             </a:pPr>
             <a:r>
-              <a:rPr lang="pt-BR" sz="3200" dirty="0">
+              <a:rPr lang="pt-BR" sz="3500" dirty="0">
                 <a:latin typeface="Exo 2" panose="00000500000000000000" pitchFamily="50" charset="0"/>
               </a:rPr>
               <a:t>Eu, enquanto </a:t>
             </a:r>
             <a:r>
-              <a:rPr lang="pt-BR" sz="3200" dirty="0">
+              <a:rPr lang="pt-BR" sz="3500" dirty="0">
                 <a:solidFill>
                   <a:srgbClr val="FF0066"/>
                 </a:solidFill>
                 <a:latin typeface="Exo 2" panose="00000500000000000000" pitchFamily="50" charset="0"/>
               </a:rPr>
-              <a:t>gerente de infraestrutura </a:t>
-            </a:r>
-            <a:r>
-              <a:rPr lang="pt-BR" sz="3200" dirty="0">
+              <a:t>dono de uma empresa de TI</a:t>
+            </a:r>
+            <a:r>
+              <a:rPr lang="pt-BR" sz="3500" dirty="0">
                 <a:latin typeface="Exo 2" panose="00000500000000000000" pitchFamily="50" charset="0"/>
               </a:rPr>
-              <a:t>, preciso de um sistema que alerte quando os dispositivos estiverem com iminência de falhas para tomar decisões e manter o sistema em funcionamento</a:t>
-            </a:r>
+              <a:t>, preciso assegurar a continuidade das operações da minha empresa e o sigilo de dados porque tenho obrigações legais, fiscais e segredos de negócio. </a:t>
+            </a:r>
+          </a:p>
+          <a:p>
+            <a:endParaRPr lang="pt-BR" dirty="0"/>
           </a:p>
         </p:txBody>
       </p:sp>
     </p:spTree>
     <p:extLst>
       <p:ext uri="{BB962C8B-B14F-4D97-AF65-F5344CB8AC3E}">
-        <p14:creationId xmlns:p14="http://schemas.microsoft.com/office/powerpoint/2010/main" val="523630302"/>
+        <p14:creationId xmlns:p14="http://schemas.microsoft.com/office/powerpoint/2010/main" val="3147821839"/>
       </p:ext>
     </p:extLst>
   </p:cSld>
@@ -6262,7 +6111,7 @@
                 </a:solidFill>
                 <a:latin typeface="Exo 2" panose="00000500000000000000" pitchFamily="50" charset="0"/>
               </a:rPr>
-              <a:t>5</a:t>
+              <a:t>3</a:t>
             </a:r>
             <a:br>
               <a:rPr lang="pt-BR" dirty="0"/>
@@ -6290,7 +6139,7 @@
         <p:spPr>
           <a:xfrm>
             <a:off x="838200" y="993912"/>
-            <a:ext cx="10515600" cy="2001079"/>
+            <a:ext cx="10515600" cy="2080592"/>
           </a:xfrm>
         </p:spPr>
         <p:txBody>
@@ -6312,7 +6161,7 @@
               <a:rPr lang="pt-BR" sz="4300" dirty="0">
                 <a:latin typeface="Exo 2" panose="00000500000000000000" pitchFamily="50" charset="0"/>
               </a:rPr>
-              <a:t>Eu, enquanto </a:t>
+              <a:t>Eu, enquanto funcionário</a:t>
             </a:r>
             <a:r>
               <a:rPr lang="pt-BR" sz="4300" dirty="0">
@@ -6321,23 +6170,23 @@
                 </a:solidFill>
                 <a:latin typeface="Exo 2" panose="00000500000000000000" pitchFamily="50" charset="0"/>
               </a:rPr>
-              <a:t>analista de dados </a:t>
+              <a:t> analista de dados </a:t>
             </a:r>
             <a:r>
               <a:rPr lang="pt-BR" sz="4300" dirty="0">
                 <a:latin typeface="Exo 2" panose="00000500000000000000" pitchFamily="50" charset="0"/>
               </a:rPr>
-              <a:t>da empresa, preciso de um sistema que apresente relatórios de uso dos equipamentos controlar  o funcionamento dos dispositivos</a:t>
-            </a:r>
-          </a:p>
-        </p:txBody>
-      </p:sp>
-      <p:sp>
-        <p:nvSpPr>
-          <p:cNvPr id="6" name="Título 1">
-            <a:extLst>
-              <a:ext uri="{FF2B5EF4-FFF2-40B4-BE49-F238E27FC236}">
-                <a16:creationId xmlns:a16="http://schemas.microsoft.com/office/drawing/2014/main" id="{F306333A-719E-4819-ADA7-AD62AF8EF784}"/>
+              <a:t>, preciso de um sistema versátil e fácil de utilizar para economizar tempo ao fazer as buscas e visualizar as informações de forma mais rápida</a:t>
+            </a:r>
+          </a:p>
+        </p:txBody>
+      </p:sp>
+      <p:sp>
+        <p:nvSpPr>
+          <p:cNvPr id="4" name="Título 1">
+            <a:extLst>
+              <a:ext uri="{FF2B5EF4-FFF2-40B4-BE49-F238E27FC236}">
+                <a16:creationId xmlns:a16="http://schemas.microsoft.com/office/drawing/2014/main" id="{90F18D31-A005-498C-90D4-46C7EAD34FF8}"/>
               </a:ext>
             </a:extLst>
           </p:cNvPr>
@@ -6348,7 +6197,7 @@
         </p:nvSpPr>
         <p:spPr>
           <a:xfrm>
-            <a:off x="838200" y="3429000"/>
+            <a:off x="838200" y="3196362"/>
             <a:ext cx="10515600" cy="1325563"/>
           </a:xfrm>
           <a:prstGeom prst="rect">
@@ -6413,21 +6262,21 @@
                 </a:solidFill>
                 <a:latin typeface="Exo 2" panose="00000500000000000000" pitchFamily="50" charset="0"/>
               </a:rPr>
-              <a:t>6</a:t>
+              <a:t>4</a:t>
             </a:r>
             <a:br>
-              <a:rPr lang="pt-BR" sz="3300" dirty="0"/>
+              <a:rPr lang="pt-BR" dirty="0"/>
             </a:br>
-            <a:endParaRPr lang="pt-BR" sz="3300" dirty="0"/>
-          </a:p>
-        </p:txBody>
-      </p:sp>
-      <p:sp>
-        <p:nvSpPr>
-          <p:cNvPr id="7" name="Espaço Reservado para Conteúdo 2">
-            <a:extLst>
-              <a:ext uri="{FF2B5EF4-FFF2-40B4-BE49-F238E27FC236}">
-                <a16:creationId xmlns:a16="http://schemas.microsoft.com/office/drawing/2014/main" id="{4ACB9016-7FA1-4B57-8CAE-D5B020B402F6}"/>
+            <a:endParaRPr lang="pt-BR" dirty="0"/>
+          </a:p>
+        </p:txBody>
+      </p:sp>
+      <p:sp>
+        <p:nvSpPr>
+          <p:cNvPr id="5" name="Espaço Reservado para Conteúdo 2">
+            <a:extLst>
+              <a:ext uri="{FF2B5EF4-FFF2-40B4-BE49-F238E27FC236}">
+                <a16:creationId xmlns:a16="http://schemas.microsoft.com/office/drawing/2014/main" id="{F4AE2166-70CB-4B72-8389-25B766E5B541}"/>
               </a:ext>
             </a:extLst>
           </p:cNvPr>
@@ -6438,8 +6287,8 @@
         </p:nvSpPr>
         <p:spPr>
           <a:xfrm>
-            <a:off x="838200" y="4068417"/>
-            <a:ext cx="10515600" cy="1795671"/>
+            <a:off x="838200" y="3803374"/>
+            <a:ext cx="10515600" cy="2464904"/>
           </a:xfrm>
           <a:prstGeom prst="rect">
             <a:avLst/>
@@ -6447,7 +6296,7 @@
         </p:spPr>
         <p:txBody>
           <a:bodyPr vert="horz" lIns="91440" tIns="45720" rIns="91440" bIns="45720" rtlCol="0">
-            <a:normAutofit fontScale="70000" lnSpcReduction="20000"/>
+            <a:normAutofit fontScale="92500" lnSpcReduction="20000"/>
           </a:bodyPr>
           <a:lstStyle>
             <a:lvl1pPr marL="228600" indent="-228600" algn="l" defTabSz="914400" rtl="0" eaLnBrk="1" latinLnBrk="0" hangingPunct="1">
@@ -6621,28 +6470,29 @@
           </a:p>
           <a:p>
             <a:pPr marL="0" indent="0" algn="ctr">
+              <a:buFont typeface="Arial" panose="020B0604020202020204" pitchFamily="34" charset="0"/>
               <a:buNone/>
             </a:pPr>
             <a:r>
-              <a:rPr lang="pt-BR" sz="4300" dirty="0">
+              <a:rPr lang="pt-BR" sz="3200" dirty="0">
                 <a:latin typeface="Exo 2" panose="00000500000000000000" pitchFamily="50" charset="0"/>
               </a:rPr>
               <a:t>Eu, enquanto </a:t>
             </a:r>
             <a:r>
-              <a:rPr lang="pt-BR" sz="4300" dirty="0">
+              <a:rPr lang="pt-BR" sz="3200" dirty="0">
                 <a:solidFill>
                   <a:srgbClr val="FF0066"/>
                 </a:solidFill>
                 <a:latin typeface="Exo 2" panose="00000500000000000000" pitchFamily="50" charset="0"/>
               </a:rPr>
-              <a:t>gerente de infraestrutura</a:t>
-            </a:r>
-            <a:r>
-              <a:rPr lang="pt-BR" sz="4300" dirty="0">
+              <a:t>gerente de infraestrutura </a:t>
+            </a:r>
+            <a:r>
+              <a:rPr lang="pt-BR" sz="3200" dirty="0">
                 <a:latin typeface="Exo 2" panose="00000500000000000000" pitchFamily="50" charset="0"/>
               </a:rPr>
-              <a:t>, preciso de um sistema com um backup da base de dados sempre atualizado para utilizar em casos de emergência</a:t>
+              <a:t>, preciso de um sistema que alerte quando os dispositivos estiverem com iminência de falhas para tomar decisões e manter o sistema em funcionamento</a:t>
             </a:r>
           </a:p>
         </p:txBody>
@@ -6650,7 +6500,7 @@
     </p:spTree>
     <p:extLst>
       <p:ext uri="{BB962C8B-B14F-4D97-AF65-F5344CB8AC3E}">
-        <p14:creationId xmlns:p14="http://schemas.microsoft.com/office/powerpoint/2010/main" val="3170255746"/>
+        <p14:creationId xmlns:p14="http://schemas.microsoft.com/office/powerpoint/2010/main" val="523630302"/>
       </p:ext>
     </p:extLst>
   </p:cSld>
@@ -6682,7 +6532,132 @@
           <p:cNvPr id="2" name="Título 1">
             <a:extLst>
               <a:ext uri="{FF2B5EF4-FFF2-40B4-BE49-F238E27FC236}">
-                <a16:creationId xmlns:a16="http://schemas.microsoft.com/office/drawing/2014/main" id="{79154C64-B7C5-438B-A45A-1F55555A552B}"/>
+                <a16:creationId xmlns:a16="http://schemas.microsoft.com/office/drawing/2014/main" id="{77359F12-3BAD-404F-91B0-F5331DC3BBD2}"/>
+              </a:ext>
+            </a:extLst>
+          </p:cNvPr>
+          <p:cNvSpPr>
+            <a:spLocks noGrp="1"/>
+          </p:cNvSpPr>
+          <p:nvPr>
+            <p:ph type="title"/>
+          </p:nvPr>
+        </p:nvSpPr>
+        <p:spPr/>
+        <p:txBody>
+          <a:bodyPr/>
+          <a:lstStyle/>
+          <a:p>
+            <a:r>
+              <a:rPr lang="pt-BR" sz="3300" b="1" dirty="0" err="1">
+                <a:solidFill>
+                  <a:srgbClr val="00B0F0"/>
+                </a:solidFill>
+                <a:latin typeface="Exo 2" panose="00000500000000000000" pitchFamily="50" charset="0"/>
+              </a:rPr>
+              <a:t>User</a:t>
+            </a:r>
+            <a:r>
+              <a:rPr lang="pt-BR" sz="3300" b="1" dirty="0">
+                <a:solidFill>
+                  <a:srgbClr val="00B0F0"/>
+                </a:solidFill>
+                <a:latin typeface="Exo 2" panose="00000500000000000000" pitchFamily="50" charset="0"/>
+              </a:rPr>
+              <a:t> Stories </a:t>
+            </a:r>
+            <a:r>
+              <a:rPr lang="pt-BR" sz="3600" b="1" dirty="0">
+                <a:solidFill>
+                  <a:srgbClr val="00B0F0"/>
+                </a:solidFill>
+                <a:latin typeface="Exo 2" panose="00000500000000000000" pitchFamily="50" charset="0"/>
+              </a:rPr>
+              <a:t>#</a:t>
+            </a:r>
+            <a:r>
+              <a:rPr lang="pt-BR" sz="3300" b="1" dirty="0">
+                <a:solidFill>
+                  <a:srgbClr val="00B0F0"/>
+                </a:solidFill>
+                <a:latin typeface="Exo 2" panose="00000500000000000000" pitchFamily="50" charset="0"/>
+              </a:rPr>
+              <a:t>5</a:t>
+            </a:r>
+            <a:br>
+              <a:rPr lang="pt-BR" dirty="0"/>
+            </a:br>
+            <a:endParaRPr lang="pt-BR" dirty="0"/>
+          </a:p>
+        </p:txBody>
+      </p:sp>
+      <p:sp>
+        <p:nvSpPr>
+          <p:cNvPr id="3" name="Espaço Reservado para Conteúdo 2">
+            <a:extLst>
+              <a:ext uri="{FF2B5EF4-FFF2-40B4-BE49-F238E27FC236}">
+                <a16:creationId xmlns:a16="http://schemas.microsoft.com/office/drawing/2014/main" id="{DDD43297-2D2C-41A1-81AC-C6A525CCE3CB}"/>
+              </a:ext>
+            </a:extLst>
+          </p:cNvPr>
+          <p:cNvSpPr>
+            <a:spLocks noGrp="1"/>
+          </p:cNvSpPr>
+          <p:nvPr>
+            <p:ph idx="1"/>
+          </p:nvPr>
+        </p:nvSpPr>
+        <p:spPr>
+          <a:xfrm>
+            <a:off x="838200" y="993912"/>
+            <a:ext cx="10515600" cy="2001079"/>
+          </a:xfrm>
+        </p:spPr>
+        <p:txBody>
+          <a:bodyPr>
+            <a:normAutofit fontScale="70000" lnSpcReduction="20000"/>
+          </a:bodyPr>
+          <a:lstStyle/>
+          <a:p>
+            <a:endParaRPr lang="pt-BR" dirty="0"/>
+          </a:p>
+          <a:p>
+            <a:endParaRPr lang="pt-BR" sz="3200" dirty="0"/>
+          </a:p>
+          <a:p>
+            <a:pPr marL="0" indent="0" algn="ctr">
+              <a:buNone/>
+            </a:pPr>
+            <a:r>
+              <a:rPr lang="pt-BR" sz="4300" dirty="0">
+                <a:latin typeface="Exo 2" panose="00000500000000000000" pitchFamily="50" charset="0"/>
+              </a:rPr>
+              <a:t>Eu, enquanto </a:t>
+            </a:r>
+            <a:r>
+              <a:rPr lang="pt-BR" sz="4300" dirty="0">
+                <a:solidFill>
+                  <a:srgbClr val="FF0066"/>
+                </a:solidFill>
+                <a:latin typeface="Exo 2" panose="00000500000000000000" pitchFamily="50" charset="0"/>
+              </a:rPr>
+              <a:t>analista de dados </a:t>
+            </a:r>
+            <a:r>
+              <a:rPr lang="pt-BR" sz="4300" dirty="0">
+                <a:latin typeface="Exo 2" panose="00000500000000000000" pitchFamily="50" charset="0"/>
+              </a:rPr>
+              <a:t>da empresa, preciso de um sistema que apresente relatórios de uso dos equipamentos para controlar  o funcionamento dos dispositivos</a:t>
+            </a:r>
+          </a:p>
+        </p:txBody>
+      </p:sp>
+      <p:sp>
+        <p:nvSpPr>
+          <p:cNvPr id="6" name="Título 1">
+            <a:extLst>
+              <a:ext uri="{FF2B5EF4-FFF2-40B4-BE49-F238E27FC236}">
+                <a16:creationId xmlns:a16="http://schemas.microsoft.com/office/drawing/2014/main" id="{F306333A-719E-4819-ADA7-AD62AF8EF784}"/>
               </a:ext>
             </a:extLst>
           </p:cNvPr>
@@ -6693,7 +6668,7 @@
         </p:nvSpPr>
         <p:spPr>
           <a:xfrm>
-            <a:off x="838200" y="365125"/>
+            <a:off x="838200" y="3429000"/>
             <a:ext cx="10515600" cy="1325563"/>
           </a:xfrm>
           <a:prstGeom prst="rect">
@@ -6701,7 +6676,9 @@
           </a:prstGeom>
         </p:spPr>
         <p:txBody>
-          <a:bodyPr/>
+          <a:bodyPr vert="horz" lIns="91440" tIns="45720" rIns="91440" bIns="45720" rtlCol="0" anchor="ctr">
+            <a:normAutofit/>
+          </a:bodyPr>
           <a:lstStyle>
             <a:lvl1pPr algn="l" defTabSz="914400" rtl="0" eaLnBrk="1" latinLnBrk="0" hangingPunct="1">
               <a:lnSpc>
@@ -6723,70 +6700,277 @@
           </a:lstStyle>
           <a:p>
             <a:r>
-              <a:rPr lang="pt-BR" sz="3300" b="1" dirty="0">
+              <a:rPr lang="pt-BR" sz="3300" b="1" dirty="0" err="1">
                 <a:solidFill>
                   <a:srgbClr val="00B0F0"/>
                 </a:solidFill>
                 <a:latin typeface="Exo 2" panose="00000500000000000000" pitchFamily="50" charset="0"/>
               </a:rPr>
-              <a:t>Requisitos</a:t>
-            </a:r>
-            <a:endParaRPr lang="pt-BR" dirty="0"/>
-          </a:p>
-        </p:txBody>
-      </p:sp>
-      <p:pic>
-        <p:nvPicPr>
-          <p:cNvPr id="1026" name="Picture 2" descr="Resultado de imagem para requisitos">
-            <a:hlinkClick r:id="rId2" action="ppaction://hlinkfile"/>
-            <a:extLst>
-              <a:ext uri="{FF2B5EF4-FFF2-40B4-BE49-F238E27FC236}">
-                <a16:creationId xmlns:a16="http://schemas.microsoft.com/office/drawing/2014/main" id="{0D05C6FA-FDEA-4F58-A1AF-87CB413F7E99}"/>
-              </a:ext>
-            </a:extLst>
-          </p:cNvPr>
-          <p:cNvPicPr>
-            <a:picLocks noChangeAspect="1" noChangeArrowheads="1"/>
-          </p:cNvPicPr>
+              <a:t>User</a:t>
+            </a:r>
+            <a:r>
+              <a:rPr lang="pt-BR" sz="3300" b="1" dirty="0">
+                <a:solidFill>
+                  <a:srgbClr val="00B0F0"/>
+                </a:solidFill>
+                <a:latin typeface="Exo 2" panose="00000500000000000000" pitchFamily="50" charset="0"/>
+              </a:rPr>
+              <a:t> Stories </a:t>
+            </a:r>
+            <a:r>
+              <a:rPr lang="pt-BR" sz="3600" b="1" dirty="0">
+                <a:solidFill>
+                  <a:srgbClr val="00B0F0"/>
+                </a:solidFill>
+                <a:latin typeface="Exo 2" panose="00000500000000000000" pitchFamily="50" charset="0"/>
+              </a:rPr>
+              <a:t>#</a:t>
+            </a:r>
+            <a:r>
+              <a:rPr lang="pt-BR" sz="3300" b="1" dirty="0">
+                <a:solidFill>
+                  <a:srgbClr val="00B0F0"/>
+                </a:solidFill>
+                <a:latin typeface="Exo 2" panose="00000500000000000000" pitchFamily="50" charset="0"/>
+              </a:rPr>
+              <a:t>6</a:t>
+            </a:r>
+            <a:br>
+              <a:rPr lang="pt-BR" sz="3300" dirty="0"/>
+            </a:br>
+            <a:endParaRPr lang="pt-BR" sz="3300" dirty="0"/>
+          </a:p>
+        </p:txBody>
+      </p:sp>
+      <p:sp>
+        <p:nvSpPr>
+          <p:cNvPr id="7" name="Espaço Reservado para Conteúdo 2">
+            <a:extLst>
+              <a:ext uri="{FF2B5EF4-FFF2-40B4-BE49-F238E27FC236}">
+                <a16:creationId xmlns:a16="http://schemas.microsoft.com/office/drawing/2014/main" id="{4ACB9016-7FA1-4B57-8CAE-D5B020B402F6}"/>
+              </a:ext>
+            </a:extLst>
+          </p:cNvPr>
+          <p:cNvSpPr txBox="1">
+            <a:spLocks/>
+          </p:cNvSpPr>
           <p:nvPr/>
-        </p:nvPicPr>
-        <p:blipFill>
-          <a:blip r:embed="rId3">
-            <a:extLst>
-              <a:ext uri="{28A0092B-C50C-407E-A947-70E740481C1C}">
-                <a14:useLocalDpi xmlns:a14="http://schemas.microsoft.com/office/drawing/2010/main" val="0"/>
-              </a:ext>
-            </a:extLst>
-          </a:blip>
-          <a:srcRect/>
-          <a:stretch>
-            <a:fillRect/>
-          </a:stretch>
-        </p:blipFill>
-        <p:spPr bwMode="auto">
-          <a:xfrm>
-            <a:off x="4191000" y="1690688"/>
-            <a:ext cx="3810000" cy="3810000"/>
+        </p:nvSpPr>
+        <p:spPr>
+          <a:xfrm>
+            <a:off x="838200" y="4068417"/>
+            <a:ext cx="10515600" cy="1795671"/>
           </a:xfrm>
           <a:prstGeom prst="rect">
             <a:avLst/>
           </a:prstGeom>
-          <a:noFill/>
-          <a:extLst>
-            <a:ext uri="{909E8E84-426E-40DD-AFC4-6F175D3DCCD1}">
-              <a14:hiddenFill xmlns:a14="http://schemas.microsoft.com/office/drawing/2010/main">
-                <a:solidFill>
-                  <a:srgbClr val="FFFFFF"/>
-                </a:solidFill>
-              </a14:hiddenFill>
-            </a:ext>
-          </a:extLst>
-        </p:spPr>
-      </p:pic>
+        </p:spPr>
+        <p:txBody>
+          <a:bodyPr vert="horz" lIns="91440" tIns="45720" rIns="91440" bIns="45720" rtlCol="0">
+            <a:normAutofit fontScale="70000" lnSpcReduction="20000"/>
+          </a:bodyPr>
+          <a:lstStyle>
+            <a:lvl1pPr marL="228600" indent="-228600" algn="l" defTabSz="914400" rtl="0" eaLnBrk="1" latinLnBrk="0" hangingPunct="1">
+              <a:lnSpc>
+                <a:spcPct val="90000"/>
+              </a:lnSpc>
+              <a:spcBef>
+                <a:spcPts val="1000"/>
+              </a:spcBef>
+              <a:buFont typeface="Arial" panose="020B0604020202020204" pitchFamily="34" charset="0"/>
+              <a:buChar char="•"/>
+              <a:defRPr sz="2800" kern="1200">
+                <a:solidFill>
+                  <a:schemeClr val="tx1"/>
+                </a:solidFill>
+                <a:latin typeface="+mn-lt"/>
+                <a:ea typeface="+mn-ea"/>
+                <a:cs typeface="+mn-cs"/>
+              </a:defRPr>
+            </a:lvl1pPr>
+            <a:lvl2pPr marL="685800" indent="-228600" algn="l" defTabSz="914400" rtl="0" eaLnBrk="1" latinLnBrk="0" hangingPunct="1">
+              <a:lnSpc>
+                <a:spcPct val="90000"/>
+              </a:lnSpc>
+              <a:spcBef>
+                <a:spcPts val="500"/>
+              </a:spcBef>
+              <a:buFont typeface="Arial" panose="020B0604020202020204" pitchFamily="34" charset="0"/>
+              <a:buChar char="•"/>
+              <a:defRPr sz="2400" kern="1200">
+                <a:solidFill>
+                  <a:schemeClr val="tx1"/>
+                </a:solidFill>
+                <a:latin typeface="+mn-lt"/>
+                <a:ea typeface="+mn-ea"/>
+                <a:cs typeface="+mn-cs"/>
+              </a:defRPr>
+            </a:lvl2pPr>
+            <a:lvl3pPr marL="1143000" indent="-228600" algn="l" defTabSz="914400" rtl="0" eaLnBrk="1" latinLnBrk="0" hangingPunct="1">
+              <a:lnSpc>
+                <a:spcPct val="90000"/>
+              </a:lnSpc>
+              <a:spcBef>
+                <a:spcPts val="500"/>
+              </a:spcBef>
+              <a:buFont typeface="Arial" panose="020B0604020202020204" pitchFamily="34" charset="0"/>
+              <a:buChar char="•"/>
+              <a:defRPr sz="2000" kern="1200">
+                <a:solidFill>
+                  <a:schemeClr val="tx1"/>
+                </a:solidFill>
+                <a:latin typeface="+mn-lt"/>
+                <a:ea typeface="+mn-ea"/>
+                <a:cs typeface="+mn-cs"/>
+              </a:defRPr>
+            </a:lvl3pPr>
+            <a:lvl4pPr marL="1600200" indent="-228600" algn="l" defTabSz="914400" rtl="0" eaLnBrk="1" latinLnBrk="0" hangingPunct="1">
+              <a:lnSpc>
+                <a:spcPct val="90000"/>
+              </a:lnSpc>
+              <a:spcBef>
+                <a:spcPts val="500"/>
+              </a:spcBef>
+              <a:buFont typeface="Arial" panose="020B0604020202020204" pitchFamily="34" charset="0"/>
+              <a:buChar char="•"/>
+              <a:defRPr sz="1800" kern="1200">
+                <a:solidFill>
+                  <a:schemeClr val="tx1"/>
+                </a:solidFill>
+                <a:latin typeface="+mn-lt"/>
+                <a:ea typeface="+mn-ea"/>
+                <a:cs typeface="+mn-cs"/>
+              </a:defRPr>
+            </a:lvl4pPr>
+            <a:lvl5pPr marL="2057400" indent="-228600" algn="l" defTabSz="914400" rtl="0" eaLnBrk="1" latinLnBrk="0" hangingPunct="1">
+              <a:lnSpc>
+                <a:spcPct val="90000"/>
+              </a:lnSpc>
+              <a:spcBef>
+                <a:spcPts val="500"/>
+              </a:spcBef>
+              <a:buFont typeface="Arial" panose="020B0604020202020204" pitchFamily="34" charset="0"/>
+              <a:buChar char="•"/>
+              <a:defRPr sz="1800" kern="1200">
+                <a:solidFill>
+                  <a:schemeClr val="tx1"/>
+                </a:solidFill>
+                <a:latin typeface="+mn-lt"/>
+                <a:ea typeface="+mn-ea"/>
+                <a:cs typeface="+mn-cs"/>
+              </a:defRPr>
+            </a:lvl5pPr>
+            <a:lvl6pPr marL="2514600" indent="-228600" algn="l" defTabSz="914400" rtl="0" eaLnBrk="1" latinLnBrk="0" hangingPunct="1">
+              <a:lnSpc>
+                <a:spcPct val="90000"/>
+              </a:lnSpc>
+              <a:spcBef>
+                <a:spcPts val="500"/>
+              </a:spcBef>
+              <a:buFont typeface="Arial" panose="020B0604020202020204" pitchFamily="34" charset="0"/>
+              <a:buChar char="•"/>
+              <a:defRPr sz="1800" kern="1200">
+                <a:solidFill>
+                  <a:schemeClr val="tx1"/>
+                </a:solidFill>
+                <a:latin typeface="+mn-lt"/>
+                <a:ea typeface="+mn-ea"/>
+                <a:cs typeface="+mn-cs"/>
+              </a:defRPr>
+            </a:lvl6pPr>
+            <a:lvl7pPr marL="2971800" indent="-228600" algn="l" defTabSz="914400" rtl="0" eaLnBrk="1" latinLnBrk="0" hangingPunct="1">
+              <a:lnSpc>
+                <a:spcPct val="90000"/>
+              </a:lnSpc>
+              <a:spcBef>
+                <a:spcPts val="500"/>
+              </a:spcBef>
+              <a:buFont typeface="Arial" panose="020B0604020202020204" pitchFamily="34" charset="0"/>
+              <a:buChar char="•"/>
+              <a:defRPr sz="1800" kern="1200">
+                <a:solidFill>
+                  <a:schemeClr val="tx1"/>
+                </a:solidFill>
+                <a:latin typeface="+mn-lt"/>
+                <a:ea typeface="+mn-ea"/>
+                <a:cs typeface="+mn-cs"/>
+              </a:defRPr>
+            </a:lvl7pPr>
+            <a:lvl8pPr marL="3429000" indent="-228600" algn="l" defTabSz="914400" rtl="0" eaLnBrk="1" latinLnBrk="0" hangingPunct="1">
+              <a:lnSpc>
+                <a:spcPct val="90000"/>
+              </a:lnSpc>
+              <a:spcBef>
+                <a:spcPts val="500"/>
+              </a:spcBef>
+              <a:buFont typeface="Arial" panose="020B0604020202020204" pitchFamily="34" charset="0"/>
+              <a:buChar char="•"/>
+              <a:defRPr sz="1800" kern="1200">
+                <a:solidFill>
+                  <a:schemeClr val="tx1"/>
+                </a:solidFill>
+                <a:latin typeface="+mn-lt"/>
+                <a:ea typeface="+mn-ea"/>
+                <a:cs typeface="+mn-cs"/>
+              </a:defRPr>
+            </a:lvl8pPr>
+            <a:lvl9pPr marL="3886200" indent="-228600" algn="l" defTabSz="914400" rtl="0" eaLnBrk="1" latinLnBrk="0" hangingPunct="1">
+              <a:lnSpc>
+                <a:spcPct val="90000"/>
+              </a:lnSpc>
+              <a:spcBef>
+                <a:spcPts val="500"/>
+              </a:spcBef>
+              <a:buFont typeface="Arial" panose="020B0604020202020204" pitchFamily="34" charset="0"/>
+              <a:buChar char="•"/>
+              <a:defRPr sz="1800" kern="1200">
+                <a:solidFill>
+                  <a:schemeClr val="tx1"/>
+                </a:solidFill>
+                <a:latin typeface="+mn-lt"/>
+                <a:ea typeface="+mn-ea"/>
+                <a:cs typeface="+mn-cs"/>
+              </a:defRPr>
+            </a:lvl9pPr>
+          </a:lstStyle>
+          <a:p>
+            <a:endParaRPr lang="pt-BR" dirty="0"/>
+          </a:p>
+          <a:p>
+            <a:endParaRPr lang="pt-BR" sz="3200" dirty="0"/>
+          </a:p>
+          <a:p>
+            <a:pPr marL="0" indent="0" algn="ctr">
+              <a:buNone/>
+            </a:pPr>
+            <a:r>
+              <a:rPr lang="pt-BR" sz="4300" dirty="0">
+                <a:latin typeface="Exo 2" panose="00000500000000000000" pitchFamily="50" charset="0"/>
+              </a:rPr>
+              <a:t>Eu, enquanto </a:t>
+            </a:r>
+            <a:r>
+              <a:rPr lang="pt-BR" sz="4300" dirty="0">
+                <a:solidFill>
+                  <a:srgbClr val="FF0066"/>
+                </a:solidFill>
+                <a:latin typeface="Exo 2" panose="00000500000000000000" pitchFamily="50" charset="0"/>
+              </a:rPr>
+              <a:t>gerente de infraestrutura</a:t>
+            </a:r>
+            <a:r>
+              <a:rPr lang="pt-BR" sz="4300" dirty="0">
+                <a:latin typeface="Exo 2" panose="00000500000000000000" pitchFamily="50" charset="0"/>
+              </a:rPr>
+              <a:t>, preciso de um sistema com um backup da base de dados sempre atualizado para utilizar em casos de emergência</a:t>
+            </a:r>
+          </a:p>
+        </p:txBody>
+      </p:sp>
     </p:spTree>
     <p:extLst>
       <p:ext uri="{BB962C8B-B14F-4D97-AF65-F5344CB8AC3E}">
-        <p14:creationId xmlns:p14="http://schemas.microsoft.com/office/powerpoint/2010/main" val="369677390"/>
+        <p14:creationId xmlns:p14="http://schemas.microsoft.com/office/powerpoint/2010/main" val="3170255746"/>
       </p:ext>
     </p:extLst>
   </p:cSld>
